--- a/materials/slides/3.3 面向业务的测试（第二象限）.pptx
+++ b/materials/slides/3.3 面向业务的测试（第二象限）.pptx
@@ -5,25 +5,26 @@
     <p:sldMasterId id="2147483648" r:id="rId1"/>
   </p:sldMasterIdLst>
   <p:notesMasterIdLst>
-    <p:notesMasterId r:id="rId18"/>
+    <p:notesMasterId r:id="rId19"/>
   </p:notesMasterIdLst>
   <p:sldIdLst>
     <p:sldId id="256" r:id="rId2"/>
-    <p:sldId id="261" r:id="rId3"/>
-    <p:sldId id="282" r:id="rId4"/>
-    <p:sldId id="284" r:id="rId5"/>
-    <p:sldId id="285" r:id="rId6"/>
-    <p:sldId id="288" r:id="rId7"/>
-    <p:sldId id="295" r:id="rId8"/>
-    <p:sldId id="287" r:id="rId9"/>
-    <p:sldId id="293" r:id="rId10"/>
-    <p:sldId id="286" r:id="rId11"/>
-    <p:sldId id="289" r:id="rId12"/>
-    <p:sldId id="290" r:id="rId13"/>
-    <p:sldId id="294" r:id="rId14"/>
-    <p:sldId id="291" r:id="rId15"/>
-    <p:sldId id="283" r:id="rId16"/>
-    <p:sldId id="274" r:id="rId17"/>
+    <p:sldId id="296" r:id="rId3"/>
+    <p:sldId id="298" r:id="rId4"/>
+    <p:sldId id="297" r:id="rId5"/>
+    <p:sldId id="261" r:id="rId6"/>
+    <p:sldId id="282" r:id="rId7"/>
+    <p:sldId id="284" r:id="rId8"/>
+    <p:sldId id="285" r:id="rId9"/>
+    <p:sldId id="288" r:id="rId10"/>
+    <p:sldId id="295" r:id="rId11"/>
+    <p:sldId id="287" r:id="rId12"/>
+    <p:sldId id="293" r:id="rId13"/>
+    <p:sldId id="286" r:id="rId14"/>
+    <p:sldId id="294" r:id="rId15"/>
+    <p:sldId id="291" r:id="rId16"/>
+    <p:sldId id="283" r:id="rId17"/>
+    <p:sldId id="274" r:id="rId18"/>
   </p:sldIdLst>
   <p:sldSz cx="12192000" cy="6858000"/>
   <p:notesSz cx="6858000" cy="9144000"/>
@@ -215,7 +216,7 @@
           <a:p>
             <a:fld id="{EC82124A-F363-4BD3-8BA5-C8EDB8A4673E}" type="datetimeFigureOut">
               <a:rPr lang="zh-CN" altLang="en-US" smtClean="0"/>
-              <a:t>2018/10/10</a:t>
+              <a:t>2019/10/12</a:t>
             </a:fld>
             <a:endParaRPr lang="zh-CN" altLang="en-US"/>
           </a:p>
@@ -527,120 +528,6 @@
           <a:bodyPr/>
           <a:lstStyle/>
           <a:p>
-            <a:r>
-              <a:rPr lang="zh-CN" altLang="en-US" sz="1200" b="0" i="0" kern="1200" dirty="0" smtClean="0">
-                <a:solidFill>
-                  <a:schemeClr val="tx1"/>
-                </a:solidFill>
-                <a:effectLst/>
-                <a:latin typeface="+mn-lt"/>
-                <a:ea typeface="+mn-ea"/>
-                <a:cs typeface="+mn-cs"/>
-              </a:rPr>
-              <a:t>在工作中，多数人都只是一个被动的执行者。比如，现在让你调查北京市近期卖了多少小龙虾，没有人告诉你为什么要做这件事，你可能会理解偏差，以至于提供错误的数据，甚至对于领导指派给你这种“毫无意义”的工作感到不满。</a:t>
-            </a:r>
-          </a:p>
-          <a:p>
-            <a:r>
-              <a:rPr lang="zh-CN" altLang="en-US" sz="1200" b="0" i="0" kern="1200" dirty="0" smtClean="0">
-                <a:solidFill>
-                  <a:schemeClr val="tx1"/>
-                </a:solidFill>
-                <a:effectLst/>
-                <a:latin typeface="+mn-lt"/>
-                <a:ea typeface="+mn-ea"/>
-                <a:cs typeface="+mn-cs"/>
-              </a:rPr>
-              <a:t> </a:t>
-            </a:r>
-          </a:p>
-          <a:p>
-            <a:r>
-              <a:rPr lang="zh-CN" altLang="en-US" sz="1200" b="0" i="0" kern="1200" dirty="0" smtClean="0">
-                <a:solidFill>
-                  <a:schemeClr val="tx1"/>
-                </a:solidFill>
-                <a:effectLst/>
-                <a:latin typeface="+mn-lt"/>
-                <a:ea typeface="+mn-ea"/>
-                <a:cs typeface="+mn-cs"/>
-              </a:rPr>
-              <a:t>如果换个说法：作为水产供应商，我想要了解近三个月北京市小龙虾的销售情况，以便安排后期的货源。这种说法是不是明确多了？</a:t>
-            </a:r>
-          </a:p>
-          <a:p>
-            <a:r>
-              <a:rPr lang="zh-CN" altLang="en-US" sz="1200" b="0" i="0" kern="1200" dirty="0" smtClean="0">
-                <a:solidFill>
-                  <a:schemeClr val="tx1"/>
-                </a:solidFill>
-                <a:effectLst/>
-                <a:latin typeface="+mn-lt"/>
-                <a:ea typeface="+mn-ea"/>
-                <a:cs typeface="+mn-cs"/>
-              </a:rPr>
-              <a:t> </a:t>
-            </a:r>
-          </a:p>
-          <a:p>
-            <a:r>
-              <a:rPr lang="zh-CN" altLang="en-US" sz="1200" b="0" i="0" kern="1200" dirty="0" smtClean="0">
-                <a:solidFill>
-                  <a:schemeClr val="tx1"/>
-                </a:solidFill>
-                <a:effectLst/>
-                <a:latin typeface="+mn-lt"/>
-                <a:ea typeface="+mn-ea"/>
-                <a:cs typeface="+mn-cs"/>
-              </a:rPr>
-              <a:t>工作中无谓的消耗时间是最可怕的。往往员工没有得到足够的信息，而上司也没有为下属提供足够的信息。要知道，</a:t>
-            </a:r>
-            <a:r>
-              <a:rPr lang="zh-CN" altLang="en-US" sz="1200" b="1" i="0" kern="1200" dirty="0" smtClean="0">
-                <a:solidFill>
-                  <a:schemeClr val="tx1"/>
-                </a:solidFill>
-                <a:effectLst/>
-                <a:latin typeface="+mn-lt"/>
-                <a:ea typeface="+mn-ea"/>
-                <a:cs typeface="+mn-cs"/>
-              </a:rPr>
-              <a:t>人们习惯于用情节、故事去思考问题。大家都是这样来理解世界的。</a:t>
-            </a:r>
-            <a:r>
-              <a:rPr lang="zh-CN" altLang="en-US" sz="1200" b="0" i="0" kern="1200" dirty="0" smtClean="0">
-                <a:solidFill>
-                  <a:schemeClr val="tx1"/>
-                </a:solidFill>
-                <a:effectLst/>
-                <a:latin typeface="+mn-lt"/>
-                <a:ea typeface="+mn-ea"/>
-                <a:cs typeface="+mn-cs"/>
-              </a:rPr>
-              <a:t>我们比较容易掌握人物、欲望及动机等，当我们试图把个别片段从主线中剥离出来，脱离具体语境去理解它们时，就会出现问题。</a:t>
-            </a:r>
-            <a:endParaRPr lang="en-US" altLang="zh-CN" sz="1200" b="0" i="0" kern="1200" dirty="0" smtClean="0">
-              <a:solidFill>
-                <a:schemeClr val="tx1"/>
-              </a:solidFill>
-              <a:effectLst/>
-              <a:latin typeface="+mn-lt"/>
-              <a:ea typeface="+mn-ea"/>
-              <a:cs typeface="+mn-cs"/>
-            </a:endParaRPr>
-          </a:p>
-          <a:p>
-            <a:endParaRPr lang="en-US" altLang="zh-CN" sz="1200" b="0" i="0" kern="1200" dirty="0" smtClean="0">
-              <a:solidFill>
-                <a:schemeClr val="tx1"/>
-              </a:solidFill>
-              <a:effectLst/>
-              <a:latin typeface="+mn-lt"/>
-              <a:ea typeface="+mn-ea"/>
-              <a:cs typeface="+mn-cs"/>
-            </a:endParaRPr>
-          </a:p>
-          <a:p>
             <a:endParaRPr lang="zh-CN" altLang="en-US" dirty="0"/>
           </a:p>
         </p:txBody>
@@ -662,7 +549,7 @@
           <a:p>
             <a:fld id="{8D7ACA88-C620-47A1-A6D3-F68F6DD6FEE9}" type="slidenum">
               <a:rPr lang="zh-CN" altLang="en-US" smtClean="0"/>
-              <a:t>8</a:t>
+              <a:t>2</a:t>
             </a:fld>
             <a:endParaRPr lang="zh-CN" altLang="en-US"/>
           </a:p>
@@ -671,7 +558,7 @@
     </p:spTree>
     <p:extLst>
       <p:ext uri="{BB962C8B-B14F-4D97-AF65-F5344CB8AC3E}">
-        <p14:creationId xmlns:p14="http://schemas.microsoft.com/office/powerpoint/2010/main" val="3185754181"/>
+        <p14:creationId xmlns:p14="http://schemas.microsoft.com/office/powerpoint/2010/main" val="3591417963"/>
       </p:ext>
     </p:extLst>
   </p:cSld>
@@ -725,6 +612,392 @@
           <a:bodyPr/>
           <a:lstStyle/>
           <a:p>
+            <a:endParaRPr lang="zh-CN" altLang="en-US" dirty="0"/>
+          </a:p>
+        </p:txBody>
+      </p:sp>
+      <p:sp>
+        <p:nvSpPr>
+          <p:cNvPr id="4" name="灯片编号占位符 3"/>
+          <p:cNvSpPr>
+            <a:spLocks noGrp="1"/>
+          </p:cNvSpPr>
+          <p:nvPr>
+            <p:ph type="sldNum" sz="quarter" idx="10"/>
+          </p:nvPr>
+        </p:nvSpPr>
+        <p:spPr/>
+        <p:txBody>
+          <a:bodyPr/>
+          <a:lstStyle/>
+          <a:p>
+            <a:fld id="{8D7ACA88-C620-47A1-A6D3-F68F6DD6FEE9}" type="slidenum">
+              <a:rPr lang="zh-CN" altLang="en-US" smtClean="0"/>
+              <a:t>3</a:t>
+            </a:fld>
+            <a:endParaRPr lang="zh-CN" altLang="en-US"/>
+          </a:p>
+        </p:txBody>
+      </p:sp>
+    </p:spTree>
+    <p:extLst>
+      <p:ext uri="{BB962C8B-B14F-4D97-AF65-F5344CB8AC3E}">
+        <p14:creationId xmlns:p14="http://schemas.microsoft.com/office/powerpoint/2010/main" val="873638434"/>
+      </p:ext>
+    </p:extLst>
+  </p:cSld>
+  <p:clrMapOvr>
+    <a:masterClrMapping/>
+  </p:clrMapOvr>
+</p:notes>
+</file>
+
+<file path=ppt/notesSlides/notesSlide3.xml><?xml version="1.0" encoding="utf-8"?>
+<p:notes xmlns:a="http://schemas.openxmlformats.org/drawingml/2006/main" xmlns:r="http://schemas.openxmlformats.org/officeDocument/2006/relationships" xmlns:p="http://schemas.openxmlformats.org/presentationml/2006/main">
+  <p:cSld>
+    <p:spTree>
+      <p:nvGrpSpPr>
+        <p:cNvPr id="1" name=""/>
+        <p:cNvGrpSpPr/>
+        <p:nvPr/>
+      </p:nvGrpSpPr>
+      <p:grpSpPr>
+        <a:xfrm>
+          <a:off x="0" y="0"/>
+          <a:ext cx="0" cy="0"/>
+          <a:chOff x="0" y="0"/>
+          <a:chExt cx="0" cy="0"/>
+        </a:xfrm>
+      </p:grpSpPr>
+      <p:sp>
+        <p:nvSpPr>
+          <p:cNvPr id="2" name="幻灯片图像占位符 1"/>
+          <p:cNvSpPr>
+            <a:spLocks noGrp="1" noRot="1" noChangeAspect="1"/>
+          </p:cNvSpPr>
+          <p:nvPr>
+            <p:ph type="sldImg"/>
+          </p:nvPr>
+        </p:nvSpPr>
+        <p:spPr/>
+      </p:sp>
+      <p:sp>
+        <p:nvSpPr>
+          <p:cNvPr id="3" name="备注占位符 2"/>
+          <p:cNvSpPr>
+            <a:spLocks noGrp="1"/>
+          </p:cNvSpPr>
+          <p:nvPr>
+            <p:ph type="body" idx="1"/>
+          </p:nvPr>
+        </p:nvSpPr>
+        <p:spPr/>
+        <p:txBody>
+          <a:bodyPr/>
+          <a:lstStyle/>
+          <a:p>
+            <a:r>
+              <a:rPr lang="zh-CN" altLang="en-US" dirty="0" smtClean="0"/>
+              <a:t>“涟漪效应”亦称为“模仿效应”，是由美国教育心理学家杰考白</a:t>
+            </a:r>
+            <a:r>
+              <a:rPr lang="en-US" altLang="zh-CN" dirty="0" smtClean="0"/>
+              <a:t>·</a:t>
+            </a:r>
+            <a:r>
+              <a:rPr lang="zh-CN" altLang="en-US" dirty="0" smtClean="0"/>
+              <a:t>库宁（</a:t>
+            </a:r>
+            <a:r>
+              <a:rPr lang="en-US" altLang="zh-CN" dirty="0" err="1" smtClean="0"/>
+              <a:t>JacobKounit</a:t>
+            </a:r>
+            <a:r>
+              <a:rPr lang="zh-CN" altLang="en-US" dirty="0" smtClean="0"/>
+              <a:t>）提出的，定义为：一群人看到有人破坏规则，而未见对这种不良行为的及时处理，就会模仿破坏规则的行为。如果破坏规则的人是人群中的领导者，那么波及人群的效应就更加严重。形象点说，“涟漪效应”描述的是这样一种现象：往一湖平静的湖水里扔进一块石头，泛起的水波纹会逐渐波及到很远的地方。</a:t>
+            </a:r>
+            <a:endParaRPr lang="zh-CN" altLang="en-US" dirty="0"/>
+          </a:p>
+        </p:txBody>
+      </p:sp>
+      <p:sp>
+        <p:nvSpPr>
+          <p:cNvPr id="4" name="灯片编号占位符 3"/>
+          <p:cNvSpPr>
+            <a:spLocks noGrp="1"/>
+          </p:cNvSpPr>
+          <p:nvPr>
+            <p:ph type="sldNum" sz="quarter" idx="10"/>
+          </p:nvPr>
+        </p:nvSpPr>
+        <p:spPr/>
+        <p:txBody>
+          <a:bodyPr/>
+          <a:lstStyle/>
+          <a:p>
+            <a:fld id="{8D7ACA88-C620-47A1-A6D3-F68F6DD6FEE9}" type="slidenum">
+              <a:rPr lang="zh-CN" altLang="en-US" smtClean="0"/>
+              <a:t>9</a:t>
+            </a:fld>
+            <a:endParaRPr lang="zh-CN" altLang="en-US"/>
+          </a:p>
+        </p:txBody>
+      </p:sp>
+    </p:spTree>
+    <p:extLst>
+      <p:ext uri="{BB962C8B-B14F-4D97-AF65-F5344CB8AC3E}">
+        <p14:creationId xmlns:p14="http://schemas.microsoft.com/office/powerpoint/2010/main" val="3999585759"/>
+      </p:ext>
+    </p:extLst>
+  </p:cSld>
+  <p:clrMapOvr>
+    <a:masterClrMapping/>
+  </p:clrMapOvr>
+</p:notes>
+</file>
+
+<file path=ppt/notesSlides/notesSlide4.xml><?xml version="1.0" encoding="utf-8"?>
+<p:notes xmlns:a="http://schemas.openxmlformats.org/drawingml/2006/main" xmlns:r="http://schemas.openxmlformats.org/officeDocument/2006/relationships" xmlns:p="http://schemas.openxmlformats.org/presentationml/2006/main">
+  <p:cSld>
+    <p:spTree>
+      <p:nvGrpSpPr>
+        <p:cNvPr id="1" name=""/>
+        <p:cNvGrpSpPr/>
+        <p:nvPr/>
+      </p:nvGrpSpPr>
+      <p:grpSpPr>
+        <a:xfrm>
+          <a:off x="0" y="0"/>
+          <a:ext cx="0" cy="0"/>
+          <a:chOff x="0" y="0"/>
+          <a:chExt cx="0" cy="0"/>
+        </a:xfrm>
+      </p:grpSpPr>
+      <p:sp>
+        <p:nvSpPr>
+          <p:cNvPr id="2" name="幻灯片图像占位符 1"/>
+          <p:cNvSpPr>
+            <a:spLocks noGrp="1" noRot="1" noChangeAspect="1"/>
+          </p:cNvSpPr>
+          <p:nvPr>
+            <p:ph type="sldImg"/>
+          </p:nvPr>
+        </p:nvSpPr>
+        <p:spPr/>
+      </p:sp>
+      <p:sp>
+        <p:nvSpPr>
+          <p:cNvPr id="3" name="备注占位符 2"/>
+          <p:cNvSpPr>
+            <a:spLocks noGrp="1"/>
+          </p:cNvSpPr>
+          <p:nvPr>
+            <p:ph type="body" idx="1"/>
+          </p:nvPr>
+        </p:nvSpPr>
+        <p:spPr/>
+        <p:txBody>
+          <a:bodyPr/>
+          <a:lstStyle/>
+          <a:p>
+            <a:r>
+              <a:rPr lang="zh-CN" altLang="en-US" sz="1200" b="0" i="0" kern="1200" dirty="0" smtClean="0">
+                <a:solidFill>
+                  <a:schemeClr val="tx1"/>
+                </a:solidFill>
+                <a:effectLst/>
+                <a:latin typeface="+mn-lt"/>
+                <a:ea typeface="+mn-ea"/>
+                <a:cs typeface="+mn-cs"/>
+              </a:rPr>
+              <a:t>在工作中，多数人都只是一个被动的执行者。比如，现在让你调查北京市近期卖了多少小龙虾，没有人告诉你为什么要做这件事，你可能会理解偏差，以至于提供错误的数据，甚至对于领导指派给你这种“毫无意义”的工作感到不满。</a:t>
+            </a:r>
+          </a:p>
+          <a:p>
+            <a:r>
+              <a:rPr lang="zh-CN" altLang="en-US" sz="1200" b="0" i="0" kern="1200" dirty="0" smtClean="0">
+                <a:solidFill>
+                  <a:schemeClr val="tx1"/>
+                </a:solidFill>
+                <a:effectLst/>
+                <a:latin typeface="+mn-lt"/>
+                <a:ea typeface="+mn-ea"/>
+                <a:cs typeface="+mn-cs"/>
+              </a:rPr>
+              <a:t> </a:t>
+            </a:r>
+          </a:p>
+          <a:p>
+            <a:r>
+              <a:rPr lang="zh-CN" altLang="en-US" sz="1200" b="0" i="0" kern="1200" dirty="0" smtClean="0">
+                <a:solidFill>
+                  <a:schemeClr val="tx1"/>
+                </a:solidFill>
+                <a:effectLst/>
+                <a:latin typeface="+mn-lt"/>
+                <a:ea typeface="+mn-ea"/>
+                <a:cs typeface="+mn-cs"/>
+              </a:rPr>
+              <a:t>如果换个说法：作为水产供应商，我想要了解近三个月北京市小龙虾的销售情况，以便安排后期的货源。这种说法是不是明确多了？</a:t>
+            </a:r>
+          </a:p>
+          <a:p>
+            <a:r>
+              <a:rPr lang="zh-CN" altLang="en-US" sz="1200" b="0" i="0" kern="1200" dirty="0" smtClean="0">
+                <a:solidFill>
+                  <a:schemeClr val="tx1"/>
+                </a:solidFill>
+                <a:effectLst/>
+                <a:latin typeface="+mn-lt"/>
+                <a:ea typeface="+mn-ea"/>
+                <a:cs typeface="+mn-cs"/>
+              </a:rPr>
+              <a:t> </a:t>
+            </a:r>
+          </a:p>
+          <a:p>
+            <a:r>
+              <a:rPr lang="zh-CN" altLang="en-US" sz="1200" b="0" i="0" kern="1200" dirty="0" smtClean="0">
+                <a:solidFill>
+                  <a:schemeClr val="tx1"/>
+                </a:solidFill>
+                <a:effectLst/>
+                <a:latin typeface="+mn-lt"/>
+                <a:ea typeface="+mn-ea"/>
+                <a:cs typeface="+mn-cs"/>
+              </a:rPr>
+              <a:t>工作中无谓的消耗时间是最可怕的。往往员工没有得到足够的信息，而上司也没有为下属提供足够的信息。要知道，</a:t>
+            </a:r>
+            <a:r>
+              <a:rPr lang="zh-CN" altLang="en-US" sz="1200" b="1" i="0" kern="1200" dirty="0" smtClean="0">
+                <a:solidFill>
+                  <a:schemeClr val="tx1"/>
+                </a:solidFill>
+                <a:effectLst/>
+                <a:latin typeface="+mn-lt"/>
+                <a:ea typeface="+mn-ea"/>
+                <a:cs typeface="+mn-cs"/>
+              </a:rPr>
+              <a:t>人们习惯于用情节、故事去思考问题。大家都是这样来理解世界的。</a:t>
+            </a:r>
+            <a:r>
+              <a:rPr lang="zh-CN" altLang="en-US" sz="1200" b="0" i="0" kern="1200" dirty="0" smtClean="0">
+                <a:solidFill>
+                  <a:schemeClr val="tx1"/>
+                </a:solidFill>
+                <a:effectLst/>
+                <a:latin typeface="+mn-lt"/>
+                <a:ea typeface="+mn-ea"/>
+                <a:cs typeface="+mn-cs"/>
+              </a:rPr>
+              <a:t>我们比较容易掌握人物、欲望及动机等，当我们试图把个别片段从主线中剥离出来，脱离具体语境去理解它们时，就会出现问题。</a:t>
+            </a:r>
+            <a:endParaRPr lang="en-US" altLang="zh-CN" sz="1200" b="0" i="0" kern="1200" dirty="0" smtClean="0">
+              <a:solidFill>
+                <a:schemeClr val="tx1"/>
+              </a:solidFill>
+              <a:effectLst/>
+              <a:latin typeface="+mn-lt"/>
+              <a:ea typeface="+mn-ea"/>
+              <a:cs typeface="+mn-cs"/>
+            </a:endParaRPr>
+          </a:p>
+          <a:p>
+            <a:endParaRPr lang="en-US" altLang="zh-CN" sz="1200" b="0" i="0" kern="1200" dirty="0" smtClean="0">
+              <a:solidFill>
+                <a:schemeClr val="tx1"/>
+              </a:solidFill>
+              <a:effectLst/>
+              <a:latin typeface="+mn-lt"/>
+              <a:ea typeface="+mn-ea"/>
+              <a:cs typeface="+mn-cs"/>
+            </a:endParaRPr>
+          </a:p>
+          <a:p>
+            <a:endParaRPr lang="zh-CN" altLang="en-US" dirty="0"/>
+          </a:p>
+        </p:txBody>
+      </p:sp>
+      <p:sp>
+        <p:nvSpPr>
+          <p:cNvPr id="4" name="灯片编号占位符 3"/>
+          <p:cNvSpPr>
+            <a:spLocks noGrp="1"/>
+          </p:cNvSpPr>
+          <p:nvPr>
+            <p:ph type="sldNum" sz="quarter" idx="10"/>
+          </p:nvPr>
+        </p:nvSpPr>
+        <p:spPr/>
+        <p:txBody>
+          <a:bodyPr/>
+          <a:lstStyle/>
+          <a:p>
+            <a:fld id="{8D7ACA88-C620-47A1-A6D3-F68F6DD6FEE9}" type="slidenum">
+              <a:rPr lang="zh-CN" altLang="en-US" smtClean="0"/>
+              <a:t>11</a:t>
+            </a:fld>
+            <a:endParaRPr lang="zh-CN" altLang="en-US"/>
+          </a:p>
+        </p:txBody>
+      </p:sp>
+    </p:spTree>
+    <p:extLst>
+      <p:ext uri="{BB962C8B-B14F-4D97-AF65-F5344CB8AC3E}">
+        <p14:creationId xmlns:p14="http://schemas.microsoft.com/office/powerpoint/2010/main" val="3185754181"/>
+      </p:ext>
+    </p:extLst>
+  </p:cSld>
+  <p:clrMapOvr>
+    <a:masterClrMapping/>
+  </p:clrMapOvr>
+</p:notes>
+</file>
+
+<file path=ppt/notesSlides/notesSlide5.xml><?xml version="1.0" encoding="utf-8"?>
+<p:notes xmlns:a="http://schemas.openxmlformats.org/drawingml/2006/main" xmlns:r="http://schemas.openxmlformats.org/officeDocument/2006/relationships" xmlns:p="http://schemas.openxmlformats.org/presentationml/2006/main">
+  <p:cSld>
+    <p:spTree>
+      <p:nvGrpSpPr>
+        <p:cNvPr id="1" name=""/>
+        <p:cNvGrpSpPr/>
+        <p:nvPr/>
+      </p:nvGrpSpPr>
+      <p:grpSpPr>
+        <a:xfrm>
+          <a:off x="0" y="0"/>
+          <a:ext cx="0" cy="0"/>
+          <a:chOff x="0" y="0"/>
+          <a:chExt cx="0" cy="0"/>
+        </a:xfrm>
+      </p:grpSpPr>
+      <p:sp>
+        <p:nvSpPr>
+          <p:cNvPr id="2" name="幻灯片图像占位符 1"/>
+          <p:cNvSpPr>
+            <a:spLocks noGrp="1" noRot="1" noChangeAspect="1"/>
+          </p:cNvSpPr>
+          <p:nvPr>
+            <p:ph type="sldImg"/>
+          </p:nvPr>
+        </p:nvSpPr>
+        <p:spPr/>
+      </p:sp>
+      <p:sp>
+        <p:nvSpPr>
+          <p:cNvPr id="3" name="备注占位符 2"/>
+          <p:cNvSpPr>
+            <a:spLocks noGrp="1"/>
+          </p:cNvSpPr>
+          <p:nvPr>
+            <p:ph type="body" idx="1"/>
+          </p:nvPr>
+        </p:nvSpPr>
+        <p:spPr/>
+        <p:txBody>
+          <a:bodyPr/>
+          <a:lstStyle/>
+          <a:p>
             <a:pPr marL="0" marR="0" lvl="0" indent="0" algn="l" defTabSz="914400" rtl="0" eaLnBrk="1" fontAlgn="auto" latinLnBrk="0" hangingPunct="1">
               <a:lnSpc>
                 <a:spcPct val="100000"/>
@@ -1101,7 +1374,7 @@
           <a:p>
             <a:fld id="{8D7ACA88-C620-47A1-A6D3-F68F6DD6FEE9}" type="slidenum">
               <a:rPr lang="zh-CN" altLang="en-US" smtClean="0"/>
-              <a:t>10</a:t>
+              <a:t>13</a:t>
             </a:fld>
             <a:endParaRPr lang="zh-CN" altLang="en-US"/>
           </a:p>
@@ -1111,162 +1384,6 @@
     <p:extLst>
       <p:ext uri="{BB962C8B-B14F-4D97-AF65-F5344CB8AC3E}">
         <p14:creationId xmlns:p14="http://schemas.microsoft.com/office/powerpoint/2010/main" val="3649661468"/>
-      </p:ext>
-    </p:extLst>
-  </p:cSld>
-  <p:clrMapOvr>
-    <a:masterClrMapping/>
-  </p:clrMapOvr>
-</p:notes>
-</file>
-
-<file path=ppt/notesSlides/notesSlide3.xml><?xml version="1.0" encoding="utf-8"?>
-<p:notes xmlns:a="http://schemas.openxmlformats.org/drawingml/2006/main" xmlns:r="http://schemas.openxmlformats.org/officeDocument/2006/relationships" xmlns:p="http://schemas.openxmlformats.org/presentationml/2006/main">
-  <p:cSld>
-    <p:spTree>
-      <p:nvGrpSpPr>
-        <p:cNvPr id="1" name=""/>
-        <p:cNvGrpSpPr/>
-        <p:nvPr/>
-      </p:nvGrpSpPr>
-      <p:grpSpPr>
-        <a:xfrm>
-          <a:off x="0" y="0"/>
-          <a:ext cx="0" cy="0"/>
-          <a:chOff x="0" y="0"/>
-          <a:chExt cx="0" cy="0"/>
-        </a:xfrm>
-      </p:grpSpPr>
-      <p:sp>
-        <p:nvSpPr>
-          <p:cNvPr id="2" name="幻灯片图像占位符 1"/>
-          <p:cNvSpPr>
-            <a:spLocks noGrp="1" noRot="1" noChangeAspect="1"/>
-          </p:cNvSpPr>
-          <p:nvPr>
-            <p:ph type="sldImg"/>
-          </p:nvPr>
-        </p:nvSpPr>
-        <p:spPr/>
-      </p:sp>
-      <p:sp>
-        <p:nvSpPr>
-          <p:cNvPr id="3" name="备注占位符 2"/>
-          <p:cNvSpPr>
-            <a:spLocks noGrp="1"/>
-          </p:cNvSpPr>
-          <p:nvPr>
-            <p:ph type="body" idx="1"/>
-          </p:nvPr>
-        </p:nvSpPr>
-        <p:spPr/>
-        <p:txBody>
-          <a:bodyPr/>
-          <a:lstStyle/>
-          <a:p>
-            <a:r>
-              <a:rPr lang="zh-CN" altLang="en-US" sz="1200" b="0" i="0" kern="1200" dirty="0" smtClean="0">
-                <a:solidFill>
-                  <a:schemeClr val="tx1"/>
-                </a:solidFill>
-                <a:effectLst/>
-                <a:latin typeface="+mn-lt"/>
-                <a:ea typeface="+mn-ea"/>
-                <a:cs typeface="+mn-cs"/>
-              </a:rPr>
-              <a:t>用户故事之间的依赖使得制订计划、确定优先级和工作量评估都变得很困难。通常我们可以通过组合用户故事和分解用户故事来减少依赖性。</a:t>
-            </a:r>
-            <a:endParaRPr lang="en-US" altLang="zh-CN" sz="1200" b="0" i="0" kern="1200" dirty="0" smtClean="0">
-              <a:solidFill>
-                <a:schemeClr val="tx1"/>
-              </a:solidFill>
-              <a:effectLst/>
-              <a:latin typeface="+mn-lt"/>
-              <a:ea typeface="+mn-ea"/>
-              <a:cs typeface="+mn-cs"/>
-            </a:endParaRPr>
-          </a:p>
-          <a:p>
-            <a:endParaRPr lang="en-US" altLang="zh-CN" sz="1200" b="0" i="0" kern="1200" dirty="0" smtClean="0">
-              <a:solidFill>
-                <a:schemeClr val="tx1"/>
-              </a:solidFill>
-              <a:effectLst/>
-              <a:latin typeface="+mn-lt"/>
-              <a:ea typeface="+mn-ea"/>
-              <a:cs typeface="+mn-cs"/>
-            </a:endParaRPr>
-          </a:p>
-          <a:p>
-            <a:r>
-              <a:rPr lang="zh-CN" altLang="en-US" sz="1200" b="0" i="0" kern="1200" dirty="0" smtClean="0">
-                <a:solidFill>
-                  <a:schemeClr val="tx1"/>
-                </a:solidFill>
-                <a:effectLst/>
-                <a:latin typeface="+mn-lt"/>
-                <a:ea typeface="+mn-ea"/>
-                <a:cs typeface="+mn-cs"/>
-              </a:rPr>
-              <a:t>用户故事不是合同。一张用户故事卡片上只是一个简短的描述，不包括太多的细节。具体的细节在沟通阶段提出。如果一张用户故事卡片带有太多的细节，实际上会限制和用户的沟通。</a:t>
-            </a:r>
-            <a:endParaRPr lang="en-US" altLang="zh-CN" sz="1200" b="0" i="0" kern="1200" dirty="0" smtClean="0">
-              <a:solidFill>
-                <a:schemeClr val="tx1"/>
-              </a:solidFill>
-              <a:effectLst/>
-              <a:latin typeface="+mn-lt"/>
-              <a:ea typeface="+mn-ea"/>
-              <a:cs typeface="+mn-cs"/>
-            </a:endParaRPr>
-          </a:p>
-          <a:p>
-            <a:endParaRPr lang="en-US" altLang="zh-CN" sz="1200" b="0" i="0" kern="1200" dirty="0" smtClean="0">
-              <a:solidFill>
-                <a:schemeClr val="tx1"/>
-              </a:solidFill>
-              <a:effectLst/>
-              <a:latin typeface="+mn-lt"/>
-              <a:ea typeface="+mn-ea"/>
-              <a:cs typeface="+mn-cs"/>
-            </a:endParaRPr>
-          </a:p>
-          <a:p>
-            <a:r>
-              <a:rPr lang="zh-CN" altLang="en-US" b="0" dirty="0" smtClean="0"/>
-              <a:t>。用户故事越大，在安排计划、工作量评估等方面的风险就会越大。</a:t>
-            </a:r>
-            <a:endParaRPr lang="zh-CN" altLang="en-US" dirty="0"/>
-          </a:p>
-        </p:txBody>
-      </p:sp>
-      <p:sp>
-        <p:nvSpPr>
-          <p:cNvPr id="4" name="灯片编号占位符 3"/>
-          <p:cNvSpPr>
-            <a:spLocks noGrp="1"/>
-          </p:cNvSpPr>
-          <p:nvPr>
-            <p:ph type="sldNum" sz="quarter" idx="10"/>
-          </p:nvPr>
-        </p:nvSpPr>
-        <p:spPr/>
-        <p:txBody>
-          <a:bodyPr/>
-          <a:lstStyle/>
-          <a:p>
-            <a:fld id="{8D7ACA88-C620-47A1-A6D3-F68F6DD6FEE9}" type="slidenum">
-              <a:rPr lang="zh-CN" altLang="en-US" smtClean="0"/>
-              <a:t>11</a:t>
-            </a:fld>
-            <a:endParaRPr lang="zh-CN" altLang="en-US"/>
-          </a:p>
-        </p:txBody>
-      </p:sp>
-    </p:spTree>
-    <p:extLst>
-      <p:ext uri="{BB962C8B-B14F-4D97-AF65-F5344CB8AC3E}">
-        <p14:creationId xmlns:p14="http://schemas.microsoft.com/office/powerpoint/2010/main" val="2512591771"/>
       </p:ext>
     </p:extLst>
   </p:cSld>
@@ -1411,7 +1528,7 @@
           <a:p>
             <a:fld id="{C04CF4A6-17F9-4CD5-BCB8-44B65F331829}" type="datetimeFigureOut">
               <a:rPr lang="zh-CN" altLang="en-US" smtClean="0"/>
-              <a:t>2018/10/10</a:t>
+              <a:t>2019/10/12</a:t>
             </a:fld>
             <a:endParaRPr lang="zh-CN" altLang="en-US"/>
           </a:p>
@@ -1703,7 +1820,7 @@
           <a:p>
             <a:fld id="{C04CF4A6-17F9-4CD5-BCB8-44B65F331829}" type="datetimeFigureOut">
               <a:rPr lang="zh-CN" altLang="en-US" smtClean="0"/>
-              <a:t>2018/10/10</a:t>
+              <a:t>2019/10/12</a:t>
             </a:fld>
             <a:endParaRPr lang="zh-CN" altLang="en-US"/>
           </a:p>
@@ -1873,7 +1990,7 @@
           <a:p>
             <a:fld id="{C04CF4A6-17F9-4CD5-BCB8-44B65F331829}" type="datetimeFigureOut">
               <a:rPr lang="zh-CN" altLang="en-US" smtClean="0"/>
-              <a:t>2018/10/10</a:t>
+              <a:t>2019/10/12</a:t>
             </a:fld>
             <a:endParaRPr lang="zh-CN" altLang="en-US"/>
           </a:p>
@@ -2053,7 +2170,7 @@
           <a:p>
             <a:fld id="{C04CF4A6-17F9-4CD5-BCB8-44B65F331829}" type="datetimeFigureOut">
               <a:rPr lang="zh-CN" altLang="en-US" smtClean="0"/>
-              <a:t>2018/10/10</a:t>
+              <a:t>2019/10/12</a:t>
             </a:fld>
             <a:endParaRPr lang="zh-CN" altLang="en-US"/>
           </a:p>
@@ -2277,7 +2394,7 @@
           <a:p>
             <a:fld id="{C04CF4A6-17F9-4CD5-BCB8-44B65F331829}" type="datetimeFigureOut">
               <a:rPr lang="zh-CN" altLang="en-US" smtClean="0"/>
-              <a:t>2018/10/10</a:t>
+              <a:t>2019/10/12</a:t>
             </a:fld>
             <a:endParaRPr lang="zh-CN" altLang="en-US"/>
           </a:p>
@@ -2574,7 +2691,7 @@
           <a:p>
             <a:fld id="{C04CF4A6-17F9-4CD5-BCB8-44B65F331829}" type="datetimeFigureOut">
               <a:rPr lang="zh-CN" altLang="en-US" smtClean="0"/>
-              <a:t>2018/10/10</a:t>
+              <a:t>2019/10/12</a:t>
             </a:fld>
             <a:endParaRPr lang="zh-CN" altLang="en-US"/>
           </a:p>
@@ -2893,7 +3010,7 @@
           <a:p>
             <a:fld id="{C04CF4A6-17F9-4CD5-BCB8-44B65F331829}" type="datetimeFigureOut">
               <a:rPr lang="zh-CN" altLang="en-US" smtClean="0"/>
-              <a:t>2018/10/10</a:t>
+              <a:t>2019/10/12</a:t>
             </a:fld>
             <a:endParaRPr lang="zh-CN" altLang="en-US"/>
           </a:p>
@@ -3125,7 +3242,7 @@
           <a:p>
             <a:fld id="{C04CF4A6-17F9-4CD5-BCB8-44B65F331829}" type="datetimeFigureOut">
               <a:rPr lang="zh-CN" altLang="en-US" smtClean="0"/>
-              <a:t>2018/10/10</a:t>
+              <a:t>2019/10/12</a:t>
             </a:fld>
             <a:endParaRPr lang="zh-CN" altLang="en-US"/>
           </a:p>
@@ -3492,7 +3609,7 @@
           <a:p>
             <a:fld id="{C04CF4A6-17F9-4CD5-BCB8-44B65F331829}" type="datetimeFigureOut">
               <a:rPr lang="zh-CN" altLang="en-US" smtClean="0"/>
-              <a:t>2018/10/10</a:t>
+              <a:t>2019/10/12</a:t>
             </a:fld>
             <a:endParaRPr lang="zh-CN" altLang="en-US"/>
           </a:p>
@@ -3610,7 +3727,7 @@
           <a:p>
             <a:fld id="{C04CF4A6-17F9-4CD5-BCB8-44B65F331829}" type="datetimeFigureOut">
               <a:rPr lang="zh-CN" altLang="en-US" smtClean="0"/>
-              <a:t>2018/10/10</a:t>
+              <a:t>2019/10/12</a:t>
             </a:fld>
             <a:endParaRPr lang="zh-CN" altLang="en-US"/>
           </a:p>
@@ -3705,7 +3822,7 @@
           <a:p>
             <a:fld id="{C04CF4A6-17F9-4CD5-BCB8-44B65F331829}" type="datetimeFigureOut">
               <a:rPr lang="zh-CN" altLang="en-US" smtClean="0"/>
-              <a:t>2018/10/10</a:t>
+              <a:t>2019/10/12</a:t>
             </a:fld>
             <a:endParaRPr lang="zh-CN" altLang="en-US"/>
           </a:p>
@@ -3982,7 +4099,7 @@
           <a:p>
             <a:fld id="{C04CF4A6-17F9-4CD5-BCB8-44B65F331829}" type="datetimeFigureOut">
               <a:rPr lang="zh-CN" altLang="en-US" smtClean="0"/>
-              <a:t>2018/10/10</a:t>
+              <a:t>2019/10/12</a:t>
             </a:fld>
             <a:endParaRPr lang="zh-CN" altLang="en-US"/>
           </a:p>
@@ -4195,7 +4312,7 @@
           <a:p>
             <a:fld id="{C04CF4A6-17F9-4CD5-BCB8-44B65F331829}" type="datetimeFigureOut">
               <a:rPr lang="zh-CN" altLang="en-US" smtClean="0"/>
-              <a:t>2018/10/10</a:t>
+              <a:t>2019/10/12</a:t>
             </a:fld>
             <a:endParaRPr lang="zh-CN" altLang="en-US"/>
           </a:p>
@@ -4660,11 +4777,11 @@
             <a:pPr algn="r"/>
             <a:r>
               <a:rPr lang="en-US" altLang="zh-CN" dirty="0" smtClean="0"/>
-              <a:t>2</a:t>
+              <a:t>3</a:t>
             </a:r>
             <a:r>
               <a:rPr lang="en-US" altLang="zh-CN" sz="3600" dirty="0" smtClean="0"/>
-              <a:t>.2 </a:t>
+              <a:t>.3 </a:t>
             </a:r>
             <a:r>
               <a:rPr lang="zh-CN" altLang="en-US" sz="3600" dirty="0" smtClean="0"/>
@@ -4728,7 +4845,15 @@
           <a:p>
             <a:r>
               <a:rPr lang="zh-CN" altLang="en-US" smtClean="0"/>
-              <a:t>编写用户故事注意事项</a:t>
+              <a:t>激发需求</a:t>
+            </a:r>
+            <a:r>
+              <a:rPr lang="en-US" altLang="zh-CN" smtClean="0"/>
+              <a:t>/</a:t>
+            </a:r>
+            <a:r>
+              <a:rPr lang="zh-CN" altLang="en-US" smtClean="0"/>
+              <a:t>示例可以使用的工具</a:t>
             </a:r>
             <a:endParaRPr lang="zh-CN" altLang="en-US" dirty="0"/>
           </a:p>
@@ -4750,35 +4875,44 @@
           <a:lstStyle/>
           <a:p>
             <a:r>
-              <a:rPr lang="zh-CN" altLang="en-US" smtClean="0"/>
-              <a:t>必须首先考虑使用者是谁</a:t>
-            </a:r>
-            <a:endParaRPr lang="en-US" altLang="zh-CN" smtClean="0"/>
-          </a:p>
-          <a:p>
-            <a:r>
-              <a:rPr lang="zh-CN" altLang="en-US" smtClean="0"/>
-              <a:t>用户故事宜短不宜长</a:t>
-            </a:r>
-            <a:endParaRPr lang="en-US" altLang="zh-CN" smtClean="0"/>
-          </a:p>
-          <a:p>
-            <a:r>
-              <a:rPr lang="zh-CN" altLang="en-US" smtClean="0"/>
-              <a:t>用户故事必须完整，任务必须彻底完成</a:t>
-            </a:r>
-            <a:endParaRPr lang="en-US" altLang="zh-CN" smtClean="0"/>
-          </a:p>
-          <a:p>
-            <a:pPr lvl="1"/>
-            <a:r>
-              <a:rPr lang="zh-CN" altLang="en-US" smtClean="0"/>
-              <a:t>怎样才能知道已经完成了任务</a:t>
-            </a:r>
-            <a:endParaRPr lang="en-US" altLang="zh-CN" smtClean="0"/>
-          </a:p>
-          <a:p>
-            <a:pPr lvl="1"/>
+              <a:rPr lang="zh-CN" altLang="en-US" dirty="0" smtClean="0"/>
+              <a:t>核对表</a:t>
+            </a:r>
+            <a:endParaRPr lang="en-US" altLang="zh-CN" dirty="0" smtClean="0"/>
+          </a:p>
+          <a:p>
+            <a:r>
+              <a:rPr lang="zh-CN" altLang="en-US" dirty="0" smtClean="0"/>
+              <a:t>思维导图</a:t>
+            </a:r>
+            <a:endParaRPr lang="en-US" altLang="zh-CN" dirty="0" smtClean="0"/>
+          </a:p>
+          <a:p>
+            <a:r>
+              <a:rPr lang="zh-CN" altLang="en-US" dirty="0" smtClean="0"/>
+              <a:t>电子表格</a:t>
+            </a:r>
+            <a:endParaRPr lang="en-US" altLang="zh-CN" dirty="0" smtClean="0"/>
+          </a:p>
+          <a:p>
+            <a:r>
+              <a:rPr lang="zh-CN" altLang="en-US" dirty="0" smtClean="0"/>
+              <a:t>模型</a:t>
+            </a:r>
+            <a:endParaRPr lang="en-US" altLang="zh-CN" dirty="0" smtClean="0"/>
+          </a:p>
+          <a:p>
+            <a:r>
+              <a:rPr lang="zh-CN" altLang="en-US" dirty="0" smtClean="0"/>
+              <a:t>流程图</a:t>
+            </a:r>
+            <a:endParaRPr lang="en-US" altLang="zh-CN" dirty="0" smtClean="0"/>
+          </a:p>
+          <a:p>
+            <a:r>
+              <a:rPr lang="zh-CN" altLang="en-US" dirty="0" smtClean="0"/>
+              <a:t>基于软件的工具</a:t>
+            </a:r>
             <a:endParaRPr lang="zh-CN" altLang="en-US" dirty="0"/>
           </a:p>
         </p:txBody>
@@ -4786,13 +4920,20 @@
     </p:spTree>
     <p:extLst>
       <p:ext uri="{BB962C8B-B14F-4D97-AF65-F5344CB8AC3E}">
-        <p14:creationId xmlns:p14="http://schemas.microsoft.com/office/powerpoint/2010/main" val="522347092"/>
+        <p14:creationId xmlns:p14="http://schemas.microsoft.com/office/powerpoint/2010/main" val="2416037111"/>
       </p:ext>
     </p:extLst>
   </p:cSld>
   <p:clrMapOvr>
     <a:masterClrMapping/>
   </p:clrMapOvr>
+  <p:timing>
+    <p:tnLst>
+      <p:par>
+        <p:cTn id="1" dur="indefinite" restart="never" nodeType="tmRoot"/>
+      </p:par>
+    </p:tnLst>
+  </p:timing>
 </p:sld>
 </file>
 
@@ -4830,7 +4971,7 @@
           <a:p>
             <a:r>
               <a:rPr lang="zh-CN" altLang="en-US" smtClean="0"/>
-              <a:t>评价故事的完整性</a:t>
+              <a:t>编写用户故事</a:t>
             </a:r>
             <a:endParaRPr lang="zh-CN" altLang="en-US" dirty="0"/>
           </a:p>
@@ -4848,36 +4989,67 @@
         </p:nvSpPr>
         <p:spPr/>
         <p:txBody>
-          <a:bodyPr/>
+          <a:bodyPr>
+            <a:normAutofit fontScale="92500" lnSpcReduction="10000"/>
+          </a:bodyPr>
           <a:lstStyle/>
           <a:p>
             <a:r>
               <a:rPr lang="zh-CN" altLang="en-US" smtClean="0"/>
-              <a:t>独立性：尽可能让一个用户故事独立于其他的用户故事</a:t>
+              <a:t>用户故事三要素</a:t>
             </a:r>
             <a:endParaRPr lang="en-US" altLang="zh-CN" smtClean="0"/>
           </a:p>
           <a:p>
-            <a:r>
-              <a:rPr lang="zh-CN" altLang="en-US" smtClean="0"/>
-              <a:t>可协商性：用户故事的内容要是可以协商的</a:t>
+            <a:pPr lvl="1"/>
+            <a:r>
+              <a:rPr lang="zh-CN" altLang="en-US" smtClean="0"/>
+              <a:t>角色</a:t>
             </a:r>
             <a:endParaRPr lang="en-US" altLang="zh-CN" smtClean="0"/>
           </a:p>
           <a:p>
-            <a:r>
-              <a:rPr lang="zh-CN" altLang="en-US" smtClean="0"/>
-              <a:t>有价值：每个用户故事必须对客户具有价值</a:t>
+            <a:pPr lvl="2"/>
+            <a:r>
+              <a:rPr lang="zh-CN" altLang="en-US" smtClean="0"/>
+              <a:t>顾客、读者、员工、老板等，思考：谁要使用这个功能？这项任务是为“谁”而做的？打造这样东西、做这项决策、提交这项成果，我们应该从谁的角度出发？</a:t>
             </a:r>
             <a:endParaRPr lang="en-US" altLang="zh-CN" smtClean="0"/>
           </a:p>
           <a:p>
-            <a:r>
-              <a:rPr lang="zh-CN" altLang="en-US" smtClean="0"/>
-              <a:t>可评估：开发团队需要衡量用户故事，以便确定优先级和工作量，并便于安排工作计划。</a:t>
-            </a:r>
-          </a:p>
-          <a:p>
+            <a:pPr lvl="1"/>
+            <a:r>
+              <a:rPr lang="zh-CN" altLang="en-US" smtClean="0"/>
+              <a:t>活动</a:t>
+            </a:r>
+            <a:endParaRPr lang="en-US" altLang="zh-CN" smtClean="0"/>
+          </a:p>
+          <a:p>
+            <a:pPr lvl="2"/>
+            <a:r>
+              <a:rPr lang="zh-CN" altLang="en-US" smtClean="0"/>
+              <a:t>要完成什么样的功能。这通常是我们的出发点，也是落脚点</a:t>
+            </a:r>
+            <a:endParaRPr lang="en-US" altLang="zh-CN" smtClean="0"/>
+          </a:p>
+          <a:p>
+            <a:pPr lvl="1"/>
+            <a:r>
+              <a:rPr lang="zh-CN" altLang="en-US" smtClean="0"/>
+              <a:t>商业价值</a:t>
+            </a:r>
+            <a:endParaRPr lang="en-US" altLang="zh-CN" smtClean="0"/>
+          </a:p>
+          <a:p>
+            <a:pPr lvl="2"/>
+            <a:r>
+              <a:rPr lang="zh-CN" altLang="en-US" smtClean="0"/>
+              <a:t>思考客户为什么需要这个功能，以及这个功能如何才能给客户创造价值</a:t>
+            </a:r>
+            <a:endParaRPr lang="en-US" altLang="zh-CN" smtClean="0"/>
+          </a:p>
+          <a:p>
+            <a:pPr lvl="1"/>
             <a:endParaRPr lang="zh-CN" altLang="en-US" dirty="0"/>
           </a:p>
         </p:txBody>
@@ -4885,13 +5057,20 @@
     </p:spTree>
     <p:extLst>
       <p:ext uri="{BB962C8B-B14F-4D97-AF65-F5344CB8AC3E}">
-        <p14:creationId xmlns:p14="http://schemas.microsoft.com/office/powerpoint/2010/main" val="3390148534"/>
+        <p14:creationId xmlns:p14="http://schemas.microsoft.com/office/powerpoint/2010/main" val="1109323445"/>
       </p:ext>
     </p:extLst>
   </p:cSld>
   <p:clrMapOvr>
     <a:masterClrMapping/>
   </p:clrMapOvr>
+  <p:timing>
+    <p:tnLst>
+      <p:par>
+        <p:cTn id="1" dur="indefinite" restart="never" nodeType="tmRoot"/>
+      </p:par>
+    </p:tnLst>
+  </p:timing>
 </p:sld>
 </file>
 
@@ -4929,7 +5108,7 @@
           <a:p>
             <a:r>
               <a:rPr lang="zh-CN" altLang="en-US" smtClean="0"/>
-              <a:t>评价故事的完整性</a:t>
+              <a:t>编写用户故事</a:t>
             </a:r>
             <a:endParaRPr lang="zh-CN" altLang="en-US" dirty="0"/>
           </a:p>
@@ -4951,17 +5130,9 @@
           <a:lstStyle/>
           <a:p>
             <a:r>
-              <a:rPr lang="zh-CN" altLang="en-US" dirty="0" smtClean="0"/>
-              <a:t> 规模小：一个好的故事要尽量维持小规模，至少要确保在一个冲刺周期中能够完成</a:t>
-            </a:r>
-          </a:p>
-          <a:p>
-            <a:r>
-              <a:rPr lang="zh-CN" altLang="en-US" dirty="0" smtClean="0"/>
-              <a:t> 可测试：一个用户故事要可以测试，以便确定它是可以完成的。如果一个用户故事不能够测试，那么你就无法知道它什么时候可以完成</a:t>
-            </a:r>
-          </a:p>
-          <a:p>
+              <a:rPr lang="zh-CN" altLang="en-US" smtClean="0"/>
+              <a:t>作为一名（角色），我需要（功能），因此（业务价值）</a:t>
+            </a:r>
             <a:endParaRPr lang="zh-CN" altLang="en-US" dirty="0"/>
           </a:p>
         </p:txBody>
@@ -4969,13 +5140,20 @@
     </p:spTree>
     <p:extLst>
       <p:ext uri="{BB962C8B-B14F-4D97-AF65-F5344CB8AC3E}">
-        <p14:creationId xmlns:p14="http://schemas.microsoft.com/office/powerpoint/2010/main" val="4014853653"/>
+        <p14:creationId xmlns:p14="http://schemas.microsoft.com/office/powerpoint/2010/main" val="2479658167"/>
       </p:ext>
     </p:extLst>
   </p:cSld>
   <p:clrMapOvr>
     <a:masterClrMapping/>
   </p:clrMapOvr>
+  <p:timing>
+    <p:tnLst>
+      <p:par>
+        <p:cTn id="1" dur="indefinite" restart="never" nodeType="tmRoot"/>
+      </p:par>
+    </p:tnLst>
+  </p:timing>
 </p:sld>
 </file>
 
@@ -5013,7 +5191,7 @@
           <a:p>
             <a:r>
               <a:rPr lang="zh-CN" altLang="en-US" smtClean="0"/>
-              <a:t>原型</a:t>
+              <a:t>编写用户故事注意事项</a:t>
             </a:r>
             <a:endParaRPr lang="zh-CN" altLang="en-US" dirty="0"/>
           </a:p>
@@ -5036,15 +5214,34 @@
           <a:p>
             <a:r>
               <a:rPr lang="zh-CN" altLang="en-US" smtClean="0"/>
-              <a:t>界面原型</a:t>
+              <a:t>必须首先考虑使用者是谁</a:t>
             </a:r>
             <a:endParaRPr lang="en-US" altLang="zh-CN" smtClean="0"/>
           </a:p>
           <a:p>
             <a:r>
               <a:rPr lang="zh-CN" altLang="en-US" smtClean="0"/>
-              <a:t>应用场景</a:t>
-            </a:r>
+              <a:t>用户故事宜短不宜长</a:t>
+            </a:r>
+            <a:endParaRPr lang="en-US" altLang="zh-CN" smtClean="0"/>
+          </a:p>
+          <a:p>
+            <a:r>
+              <a:rPr lang="zh-CN" altLang="en-US" smtClean="0"/>
+              <a:t>用户故事必须完整，任务必须彻底完成</a:t>
+            </a:r>
+            <a:endParaRPr lang="en-US" altLang="zh-CN" smtClean="0"/>
+          </a:p>
+          <a:p>
+            <a:pPr lvl="1"/>
+            <a:r>
+              <a:rPr lang="zh-CN" altLang="en-US" smtClean="0"/>
+              <a:t>怎样才能知道已经完成了任务</a:t>
+            </a:r>
+            <a:endParaRPr lang="en-US" altLang="zh-CN" smtClean="0"/>
+          </a:p>
+          <a:p>
+            <a:pPr lvl="1"/>
             <a:endParaRPr lang="zh-CN" altLang="en-US" dirty="0"/>
           </a:p>
         </p:txBody>
@@ -5052,13 +5249,20 @@
     </p:spTree>
     <p:extLst>
       <p:ext uri="{BB962C8B-B14F-4D97-AF65-F5344CB8AC3E}">
-        <p14:creationId xmlns:p14="http://schemas.microsoft.com/office/powerpoint/2010/main" val="2244585112"/>
+        <p14:creationId xmlns:p14="http://schemas.microsoft.com/office/powerpoint/2010/main" val="522347092"/>
       </p:ext>
     </p:extLst>
   </p:cSld>
   <p:clrMapOvr>
     <a:masterClrMapping/>
   </p:clrMapOvr>
+  <p:timing>
+    <p:tnLst>
+      <p:par>
+        <p:cTn id="1" dur="indefinite" restart="never" nodeType="tmRoot"/>
+      </p:par>
+    </p:tnLst>
+  </p:timing>
 </p:sld>
 </file>
 
@@ -5096,7 +5300,7 @@
           <a:p>
             <a:r>
               <a:rPr lang="zh-CN" altLang="en-US" smtClean="0"/>
-              <a:t>仿真</a:t>
+              <a:t>原型</a:t>
             </a:r>
             <a:endParaRPr lang="zh-CN" altLang="en-US" dirty="0"/>
           </a:p>
@@ -5119,11 +5323,15 @@
           <a:p>
             <a:r>
               <a:rPr lang="zh-CN" altLang="en-US" smtClean="0"/>
-              <a:t>找到类似的软件练习使用</a:t>
+              <a:t>界面原型</a:t>
             </a:r>
             <a:endParaRPr lang="en-US" altLang="zh-CN" smtClean="0"/>
           </a:p>
           <a:p>
+            <a:r>
+              <a:rPr lang="zh-CN" altLang="en-US" smtClean="0"/>
+              <a:t>应用场景</a:t>
+            </a:r>
             <a:endParaRPr lang="zh-CN" altLang="en-US" dirty="0"/>
           </a:p>
         </p:txBody>
@@ -5131,13 +5339,20 @@
     </p:spTree>
     <p:extLst>
       <p:ext uri="{BB962C8B-B14F-4D97-AF65-F5344CB8AC3E}">
-        <p14:creationId xmlns:p14="http://schemas.microsoft.com/office/powerpoint/2010/main" val="3787899269"/>
+        <p14:creationId xmlns:p14="http://schemas.microsoft.com/office/powerpoint/2010/main" val="2244585112"/>
       </p:ext>
     </p:extLst>
   </p:cSld>
   <p:clrMapOvr>
     <a:masterClrMapping/>
   </p:clrMapOvr>
+  <p:timing>
+    <p:tnLst>
+      <p:par>
+        <p:cTn id="1" dur="indefinite" restart="never" nodeType="tmRoot"/>
+      </p:par>
+    </p:tnLst>
+  </p:timing>
 </p:sld>
 </file>
 
@@ -5175,6 +5390,92 @@
           <a:p>
             <a:r>
               <a:rPr lang="zh-CN" altLang="en-US" smtClean="0"/>
+              <a:t>仿真</a:t>
+            </a:r>
+            <a:endParaRPr lang="zh-CN" altLang="en-US" dirty="0"/>
+          </a:p>
+        </p:txBody>
+      </p:sp>
+      <p:sp>
+        <p:nvSpPr>
+          <p:cNvPr id="3" name="内容占位符 2"/>
+          <p:cNvSpPr>
+            <a:spLocks noGrp="1"/>
+          </p:cNvSpPr>
+          <p:nvPr>
+            <p:ph idx="1"/>
+          </p:nvPr>
+        </p:nvSpPr>
+        <p:spPr/>
+        <p:txBody>
+          <a:bodyPr/>
+          <a:lstStyle/>
+          <a:p>
+            <a:r>
+              <a:rPr lang="zh-CN" altLang="en-US" smtClean="0"/>
+              <a:t>找到类似的软件练习使用</a:t>
+            </a:r>
+            <a:endParaRPr lang="en-US" altLang="zh-CN" smtClean="0"/>
+          </a:p>
+          <a:p>
+            <a:endParaRPr lang="zh-CN" altLang="en-US" dirty="0"/>
+          </a:p>
+        </p:txBody>
+      </p:sp>
+    </p:spTree>
+    <p:extLst>
+      <p:ext uri="{BB962C8B-B14F-4D97-AF65-F5344CB8AC3E}">
+        <p14:creationId xmlns:p14="http://schemas.microsoft.com/office/powerpoint/2010/main" val="3787899269"/>
+      </p:ext>
+    </p:extLst>
+  </p:cSld>
+  <p:clrMapOvr>
+    <a:masterClrMapping/>
+  </p:clrMapOvr>
+  <p:timing>
+    <p:tnLst>
+      <p:par>
+        <p:cTn id="1" dur="indefinite" restart="never" nodeType="tmRoot"/>
+      </p:par>
+    </p:tnLst>
+  </p:timing>
+</p:sld>
+</file>
+
+<file path=ppt/slides/slide16.xml><?xml version="1.0" encoding="utf-8"?>
+<p:sld xmlns:a="http://schemas.openxmlformats.org/drawingml/2006/main" xmlns:r="http://schemas.openxmlformats.org/officeDocument/2006/relationships" xmlns:p="http://schemas.openxmlformats.org/presentationml/2006/main">
+  <p:cSld>
+    <p:spTree>
+      <p:nvGrpSpPr>
+        <p:cNvPr id="1" name=""/>
+        <p:cNvGrpSpPr/>
+        <p:nvPr/>
+      </p:nvGrpSpPr>
+      <p:grpSpPr>
+        <a:xfrm>
+          <a:off x="0" y="0"/>
+          <a:ext cx="0" cy="0"/>
+          <a:chOff x="0" y="0"/>
+          <a:chExt cx="0" cy="0"/>
+        </a:xfrm>
+      </p:grpSpPr>
+      <p:sp>
+        <p:nvSpPr>
+          <p:cNvPr id="2" name="标题 1"/>
+          <p:cNvSpPr>
+            <a:spLocks noGrp="1"/>
+          </p:cNvSpPr>
+          <p:nvPr>
+            <p:ph type="title"/>
+          </p:nvPr>
+        </p:nvSpPr>
+        <p:spPr/>
+        <p:txBody>
+          <a:bodyPr/>
+          <a:lstStyle/>
+          <a:p>
+            <a:r>
+              <a:rPr lang="zh-CN" altLang="en-US" smtClean="0"/>
               <a:t>总结</a:t>
             </a:r>
             <a:endParaRPr lang="zh-CN" altLang="en-US"/>
@@ -5238,10 +5539,17 @@
   <p:clrMapOvr>
     <a:masterClrMapping/>
   </p:clrMapOvr>
+  <p:timing>
+    <p:tnLst>
+      <p:par>
+        <p:cTn id="1" dur="indefinite" restart="never" nodeType="tmRoot"/>
+      </p:par>
+    </p:tnLst>
+  </p:timing>
 </p:sld>
 </file>
 
-<file path=ppt/slides/slide16.xml><?xml version="1.0" encoding="utf-8"?>
+<file path=ppt/slides/slide17.xml><?xml version="1.0" encoding="utf-8"?>
 <p:sld xmlns:a="http://schemas.openxmlformats.org/drawingml/2006/main" xmlns:r="http://schemas.openxmlformats.org/officeDocument/2006/relationships" xmlns:p="http://schemas.openxmlformats.org/presentationml/2006/main">
   <p:cSld>
     <p:spTree>
@@ -5328,6 +5636,1702 @@
             <p:ph type="title"/>
           </p:nvPr>
         </p:nvSpPr>
+        <p:spPr/>
+        <p:txBody>
+          <a:bodyPr/>
+          <a:lstStyle/>
+          <a:p>
+            <a:r>
+              <a:rPr lang="zh-CN" altLang="en-US" dirty="0" smtClean="0"/>
+              <a:t>内容回顾</a:t>
+            </a:r>
+            <a:endParaRPr lang="zh-CN" altLang="en-US" dirty="0"/>
+          </a:p>
+        </p:txBody>
+      </p:sp>
+      <p:sp>
+        <p:nvSpPr>
+          <p:cNvPr id="3" name="内容占位符 2"/>
+          <p:cNvSpPr>
+            <a:spLocks noGrp="1"/>
+          </p:cNvSpPr>
+          <p:nvPr>
+            <p:ph idx="1"/>
+          </p:nvPr>
+        </p:nvSpPr>
+        <p:spPr/>
+        <p:txBody>
+          <a:bodyPr/>
+          <a:lstStyle/>
+          <a:p>
+            <a:r>
+              <a:rPr lang="zh-CN" altLang="en-US" dirty="0" smtClean="0"/>
+              <a:t>软件当中每个区可以使用的探索方法</a:t>
+            </a:r>
+            <a:endParaRPr lang="en-US" altLang="zh-CN" dirty="0" smtClean="0"/>
+          </a:p>
+          <a:p>
+            <a:r>
+              <a:rPr lang="zh-CN" altLang="en-US" dirty="0" smtClean="0"/>
+              <a:t>敏捷</a:t>
+            </a:r>
+            <a:endParaRPr lang="en-US" altLang="zh-CN" dirty="0" smtClean="0"/>
+          </a:p>
+          <a:p>
+            <a:pPr lvl="1"/>
+            <a:r>
+              <a:rPr lang="zh-CN" altLang="en-US" dirty="0" smtClean="0"/>
+              <a:t>敏捷宣言</a:t>
+            </a:r>
+            <a:endParaRPr lang="en-US" altLang="zh-CN" dirty="0" smtClean="0"/>
+          </a:p>
+          <a:p>
+            <a:pPr lvl="1"/>
+            <a:r>
+              <a:rPr lang="zh-CN" altLang="en-US" dirty="0" smtClean="0"/>
+              <a:t>敏捷核心思想</a:t>
+            </a:r>
+            <a:endParaRPr lang="en-US" altLang="zh-CN" dirty="0" smtClean="0"/>
+          </a:p>
+          <a:p>
+            <a:pPr lvl="1"/>
+            <a:r>
+              <a:rPr lang="zh-CN" altLang="en-US" dirty="0" smtClean="0"/>
+              <a:t>敏捷开发</a:t>
+            </a:r>
+            <a:endParaRPr lang="en-US" altLang="zh-CN" dirty="0" smtClean="0"/>
+          </a:p>
+          <a:p>
+            <a:pPr lvl="1"/>
+            <a:r>
+              <a:rPr lang="zh-CN" altLang="en-US" dirty="0" smtClean="0"/>
+              <a:t>敏捷测试</a:t>
+            </a:r>
+            <a:endParaRPr lang="en-US" altLang="zh-CN" dirty="0" smtClean="0"/>
+          </a:p>
+          <a:p>
+            <a:pPr marL="914400" lvl="2" indent="0">
+              <a:buNone/>
+            </a:pPr>
+            <a:endParaRPr lang="en-US" altLang="zh-CN" dirty="0" smtClean="0"/>
+          </a:p>
+          <a:p>
+            <a:pPr lvl="1"/>
+            <a:endParaRPr lang="en-US" altLang="zh-CN" dirty="0" smtClean="0"/>
+          </a:p>
+          <a:p>
+            <a:endParaRPr lang="zh-CN" altLang="en-US" dirty="0"/>
+          </a:p>
+        </p:txBody>
+      </p:sp>
+    </p:spTree>
+    <p:extLst>
+      <p:ext uri="{BB962C8B-B14F-4D97-AF65-F5344CB8AC3E}">
+        <p14:creationId xmlns:p14="http://schemas.microsoft.com/office/powerpoint/2010/main" val="91532275"/>
+      </p:ext>
+    </p:extLst>
+  </p:cSld>
+  <p:clrMapOvr>
+    <a:masterClrMapping/>
+  </p:clrMapOvr>
+  <p:timing>
+    <p:tnLst>
+      <p:par>
+        <p:cTn id="1" dur="indefinite" restart="never" nodeType="tmRoot">
+          <p:childTnLst>
+            <p:seq concurrent="1" nextAc="seek">
+              <p:cTn id="2" dur="indefinite" nodeType="mainSeq">
+                <p:childTnLst>
+                  <p:par>
+                    <p:cTn id="3" fill="hold">
+                      <p:stCondLst>
+                        <p:cond delay="indefinite"/>
+                      </p:stCondLst>
+                      <p:childTnLst>
+                        <p:par>
+                          <p:cTn id="4" fill="hold">
+                            <p:stCondLst>
+                              <p:cond delay="0"/>
+                            </p:stCondLst>
+                            <p:childTnLst>
+                              <p:par>
+                                <p:cTn id="5" presetID="2" presetClass="entr" presetSubtype="4" fill="hold" nodeType="clickEffect">
+                                  <p:stCondLst>
+                                    <p:cond delay="0"/>
+                                  </p:stCondLst>
+                                  <p:childTnLst>
+                                    <p:set>
+                                      <p:cBhvr>
+                                        <p:cTn id="6" dur="1" fill="hold">
+                                          <p:stCondLst>
+                                            <p:cond delay="0"/>
+                                          </p:stCondLst>
+                                        </p:cTn>
+                                        <p:tgtEl>
+                                          <p:spTgt spid="3">
+                                            <p:txEl>
+                                              <p:pRg st="0" end="0"/>
+                                            </p:txEl>
+                                          </p:spTgt>
+                                        </p:tgtEl>
+                                        <p:attrNameLst>
+                                          <p:attrName>style.visibility</p:attrName>
+                                        </p:attrNameLst>
+                                      </p:cBhvr>
+                                      <p:to>
+                                        <p:strVal val="visible"/>
+                                      </p:to>
+                                    </p:set>
+                                    <p:anim calcmode="lin" valueType="num">
+                                      <p:cBhvr additive="base">
+                                        <p:cTn id="7" dur="500" fill="hold"/>
+                                        <p:tgtEl>
+                                          <p:spTgt spid="3">
+                                            <p:txEl>
+                                              <p:pRg st="0" end="0"/>
+                                            </p:txEl>
+                                          </p:spTgt>
+                                        </p:tgtEl>
+                                        <p:attrNameLst>
+                                          <p:attrName>ppt_x</p:attrName>
+                                        </p:attrNameLst>
+                                      </p:cBhvr>
+                                      <p:tavLst>
+                                        <p:tav tm="0">
+                                          <p:val>
+                                            <p:strVal val="#ppt_x"/>
+                                          </p:val>
+                                        </p:tav>
+                                        <p:tav tm="100000">
+                                          <p:val>
+                                            <p:strVal val="#ppt_x"/>
+                                          </p:val>
+                                        </p:tav>
+                                      </p:tavLst>
+                                    </p:anim>
+                                    <p:anim calcmode="lin" valueType="num">
+                                      <p:cBhvr additive="base">
+                                        <p:cTn id="8" dur="500" fill="hold"/>
+                                        <p:tgtEl>
+                                          <p:spTgt spid="3">
+                                            <p:txEl>
+                                              <p:pRg st="0" end="0"/>
+                                            </p:txEl>
+                                          </p:spTgt>
+                                        </p:tgtEl>
+                                        <p:attrNameLst>
+                                          <p:attrName>ppt_y</p:attrName>
+                                        </p:attrNameLst>
+                                      </p:cBhvr>
+                                      <p:tavLst>
+                                        <p:tav tm="0">
+                                          <p:val>
+                                            <p:strVal val="1+#ppt_h/2"/>
+                                          </p:val>
+                                        </p:tav>
+                                        <p:tav tm="100000">
+                                          <p:val>
+                                            <p:strVal val="#ppt_y"/>
+                                          </p:val>
+                                        </p:tav>
+                                      </p:tavLst>
+                                    </p:anim>
+                                  </p:childTnLst>
+                                </p:cTn>
+                              </p:par>
+                            </p:childTnLst>
+                          </p:cTn>
+                        </p:par>
+                      </p:childTnLst>
+                    </p:cTn>
+                  </p:par>
+                  <p:par>
+                    <p:cTn id="9" fill="hold">
+                      <p:stCondLst>
+                        <p:cond delay="indefinite"/>
+                      </p:stCondLst>
+                      <p:childTnLst>
+                        <p:par>
+                          <p:cTn id="10" fill="hold">
+                            <p:stCondLst>
+                              <p:cond delay="0"/>
+                            </p:stCondLst>
+                            <p:childTnLst>
+                              <p:par>
+                                <p:cTn id="11" presetID="2" presetClass="entr" presetSubtype="4" fill="hold" nodeType="clickEffect">
+                                  <p:stCondLst>
+                                    <p:cond delay="0"/>
+                                  </p:stCondLst>
+                                  <p:childTnLst>
+                                    <p:set>
+                                      <p:cBhvr>
+                                        <p:cTn id="12" dur="1" fill="hold">
+                                          <p:stCondLst>
+                                            <p:cond delay="0"/>
+                                          </p:stCondLst>
+                                        </p:cTn>
+                                        <p:tgtEl>
+                                          <p:spTgt spid="3">
+                                            <p:txEl>
+                                              <p:pRg st="1" end="1"/>
+                                            </p:txEl>
+                                          </p:spTgt>
+                                        </p:tgtEl>
+                                        <p:attrNameLst>
+                                          <p:attrName>style.visibility</p:attrName>
+                                        </p:attrNameLst>
+                                      </p:cBhvr>
+                                      <p:to>
+                                        <p:strVal val="visible"/>
+                                      </p:to>
+                                    </p:set>
+                                    <p:anim calcmode="lin" valueType="num">
+                                      <p:cBhvr additive="base">
+                                        <p:cTn id="13" dur="500" fill="hold"/>
+                                        <p:tgtEl>
+                                          <p:spTgt spid="3">
+                                            <p:txEl>
+                                              <p:pRg st="1" end="1"/>
+                                            </p:txEl>
+                                          </p:spTgt>
+                                        </p:tgtEl>
+                                        <p:attrNameLst>
+                                          <p:attrName>ppt_x</p:attrName>
+                                        </p:attrNameLst>
+                                      </p:cBhvr>
+                                      <p:tavLst>
+                                        <p:tav tm="0">
+                                          <p:val>
+                                            <p:strVal val="#ppt_x"/>
+                                          </p:val>
+                                        </p:tav>
+                                        <p:tav tm="100000">
+                                          <p:val>
+                                            <p:strVal val="#ppt_x"/>
+                                          </p:val>
+                                        </p:tav>
+                                      </p:tavLst>
+                                    </p:anim>
+                                    <p:anim calcmode="lin" valueType="num">
+                                      <p:cBhvr additive="base">
+                                        <p:cTn id="14" dur="500" fill="hold"/>
+                                        <p:tgtEl>
+                                          <p:spTgt spid="3">
+                                            <p:txEl>
+                                              <p:pRg st="1" end="1"/>
+                                            </p:txEl>
+                                          </p:spTgt>
+                                        </p:tgtEl>
+                                        <p:attrNameLst>
+                                          <p:attrName>ppt_y</p:attrName>
+                                        </p:attrNameLst>
+                                      </p:cBhvr>
+                                      <p:tavLst>
+                                        <p:tav tm="0">
+                                          <p:val>
+                                            <p:strVal val="1+#ppt_h/2"/>
+                                          </p:val>
+                                        </p:tav>
+                                        <p:tav tm="100000">
+                                          <p:val>
+                                            <p:strVal val="#ppt_y"/>
+                                          </p:val>
+                                        </p:tav>
+                                      </p:tavLst>
+                                    </p:anim>
+                                  </p:childTnLst>
+                                </p:cTn>
+                              </p:par>
+                            </p:childTnLst>
+                          </p:cTn>
+                        </p:par>
+                      </p:childTnLst>
+                    </p:cTn>
+                  </p:par>
+                  <p:par>
+                    <p:cTn id="15" fill="hold">
+                      <p:stCondLst>
+                        <p:cond delay="indefinite"/>
+                      </p:stCondLst>
+                      <p:childTnLst>
+                        <p:par>
+                          <p:cTn id="16" fill="hold">
+                            <p:stCondLst>
+                              <p:cond delay="0"/>
+                            </p:stCondLst>
+                            <p:childTnLst>
+                              <p:par>
+                                <p:cTn id="17" presetID="2" presetClass="entr" presetSubtype="4" fill="hold" nodeType="clickEffect">
+                                  <p:stCondLst>
+                                    <p:cond delay="0"/>
+                                  </p:stCondLst>
+                                  <p:childTnLst>
+                                    <p:set>
+                                      <p:cBhvr>
+                                        <p:cTn id="18" dur="1" fill="hold">
+                                          <p:stCondLst>
+                                            <p:cond delay="0"/>
+                                          </p:stCondLst>
+                                        </p:cTn>
+                                        <p:tgtEl>
+                                          <p:spTgt spid="3">
+                                            <p:txEl>
+                                              <p:pRg st="2" end="2"/>
+                                            </p:txEl>
+                                          </p:spTgt>
+                                        </p:tgtEl>
+                                        <p:attrNameLst>
+                                          <p:attrName>style.visibility</p:attrName>
+                                        </p:attrNameLst>
+                                      </p:cBhvr>
+                                      <p:to>
+                                        <p:strVal val="visible"/>
+                                      </p:to>
+                                    </p:set>
+                                    <p:anim calcmode="lin" valueType="num">
+                                      <p:cBhvr additive="base">
+                                        <p:cTn id="19" dur="500" fill="hold"/>
+                                        <p:tgtEl>
+                                          <p:spTgt spid="3">
+                                            <p:txEl>
+                                              <p:pRg st="2" end="2"/>
+                                            </p:txEl>
+                                          </p:spTgt>
+                                        </p:tgtEl>
+                                        <p:attrNameLst>
+                                          <p:attrName>ppt_x</p:attrName>
+                                        </p:attrNameLst>
+                                      </p:cBhvr>
+                                      <p:tavLst>
+                                        <p:tav tm="0">
+                                          <p:val>
+                                            <p:strVal val="#ppt_x"/>
+                                          </p:val>
+                                        </p:tav>
+                                        <p:tav tm="100000">
+                                          <p:val>
+                                            <p:strVal val="#ppt_x"/>
+                                          </p:val>
+                                        </p:tav>
+                                      </p:tavLst>
+                                    </p:anim>
+                                    <p:anim calcmode="lin" valueType="num">
+                                      <p:cBhvr additive="base">
+                                        <p:cTn id="20" dur="500" fill="hold"/>
+                                        <p:tgtEl>
+                                          <p:spTgt spid="3">
+                                            <p:txEl>
+                                              <p:pRg st="2" end="2"/>
+                                            </p:txEl>
+                                          </p:spTgt>
+                                        </p:tgtEl>
+                                        <p:attrNameLst>
+                                          <p:attrName>ppt_y</p:attrName>
+                                        </p:attrNameLst>
+                                      </p:cBhvr>
+                                      <p:tavLst>
+                                        <p:tav tm="0">
+                                          <p:val>
+                                            <p:strVal val="1+#ppt_h/2"/>
+                                          </p:val>
+                                        </p:tav>
+                                        <p:tav tm="100000">
+                                          <p:val>
+                                            <p:strVal val="#ppt_y"/>
+                                          </p:val>
+                                        </p:tav>
+                                      </p:tavLst>
+                                    </p:anim>
+                                  </p:childTnLst>
+                                </p:cTn>
+                              </p:par>
+                            </p:childTnLst>
+                          </p:cTn>
+                        </p:par>
+                      </p:childTnLst>
+                    </p:cTn>
+                  </p:par>
+                  <p:par>
+                    <p:cTn id="21" fill="hold">
+                      <p:stCondLst>
+                        <p:cond delay="indefinite"/>
+                      </p:stCondLst>
+                      <p:childTnLst>
+                        <p:par>
+                          <p:cTn id="22" fill="hold">
+                            <p:stCondLst>
+                              <p:cond delay="0"/>
+                            </p:stCondLst>
+                            <p:childTnLst>
+                              <p:par>
+                                <p:cTn id="23" presetID="2" presetClass="entr" presetSubtype="4" fill="hold" nodeType="clickEffect">
+                                  <p:stCondLst>
+                                    <p:cond delay="0"/>
+                                  </p:stCondLst>
+                                  <p:childTnLst>
+                                    <p:set>
+                                      <p:cBhvr>
+                                        <p:cTn id="24" dur="1" fill="hold">
+                                          <p:stCondLst>
+                                            <p:cond delay="0"/>
+                                          </p:stCondLst>
+                                        </p:cTn>
+                                        <p:tgtEl>
+                                          <p:spTgt spid="3">
+                                            <p:txEl>
+                                              <p:pRg st="3" end="3"/>
+                                            </p:txEl>
+                                          </p:spTgt>
+                                        </p:tgtEl>
+                                        <p:attrNameLst>
+                                          <p:attrName>style.visibility</p:attrName>
+                                        </p:attrNameLst>
+                                      </p:cBhvr>
+                                      <p:to>
+                                        <p:strVal val="visible"/>
+                                      </p:to>
+                                    </p:set>
+                                    <p:anim calcmode="lin" valueType="num">
+                                      <p:cBhvr additive="base">
+                                        <p:cTn id="25" dur="500" fill="hold"/>
+                                        <p:tgtEl>
+                                          <p:spTgt spid="3">
+                                            <p:txEl>
+                                              <p:pRg st="3" end="3"/>
+                                            </p:txEl>
+                                          </p:spTgt>
+                                        </p:tgtEl>
+                                        <p:attrNameLst>
+                                          <p:attrName>ppt_x</p:attrName>
+                                        </p:attrNameLst>
+                                      </p:cBhvr>
+                                      <p:tavLst>
+                                        <p:tav tm="0">
+                                          <p:val>
+                                            <p:strVal val="#ppt_x"/>
+                                          </p:val>
+                                        </p:tav>
+                                        <p:tav tm="100000">
+                                          <p:val>
+                                            <p:strVal val="#ppt_x"/>
+                                          </p:val>
+                                        </p:tav>
+                                      </p:tavLst>
+                                    </p:anim>
+                                    <p:anim calcmode="lin" valueType="num">
+                                      <p:cBhvr additive="base">
+                                        <p:cTn id="26" dur="500" fill="hold"/>
+                                        <p:tgtEl>
+                                          <p:spTgt spid="3">
+                                            <p:txEl>
+                                              <p:pRg st="3" end="3"/>
+                                            </p:txEl>
+                                          </p:spTgt>
+                                        </p:tgtEl>
+                                        <p:attrNameLst>
+                                          <p:attrName>ppt_y</p:attrName>
+                                        </p:attrNameLst>
+                                      </p:cBhvr>
+                                      <p:tavLst>
+                                        <p:tav tm="0">
+                                          <p:val>
+                                            <p:strVal val="1+#ppt_h/2"/>
+                                          </p:val>
+                                        </p:tav>
+                                        <p:tav tm="100000">
+                                          <p:val>
+                                            <p:strVal val="#ppt_y"/>
+                                          </p:val>
+                                        </p:tav>
+                                      </p:tavLst>
+                                    </p:anim>
+                                  </p:childTnLst>
+                                </p:cTn>
+                              </p:par>
+                            </p:childTnLst>
+                          </p:cTn>
+                        </p:par>
+                      </p:childTnLst>
+                    </p:cTn>
+                  </p:par>
+                  <p:par>
+                    <p:cTn id="27" fill="hold">
+                      <p:stCondLst>
+                        <p:cond delay="indefinite"/>
+                      </p:stCondLst>
+                      <p:childTnLst>
+                        <p:par>
+                          <p:cTn id="28" fill="hold">
+                            <p:stCondLst>
+                              <p:cond delay="0"/>
+                            </p:stCondLst>
+                            <p:childTnLst>
+                              <p:par>
+                                <p:cTn id="29" presetID="2" presetClass="entr" presetSubtype="4" fill="hold" nodeType="clickEffect">
+                                  <p:stCondLst>
+                                    <p:cond delay="0"/>
+                                  </p:stCondLst>
+                                  <p:childTnLst>
+                                    <p:set>
+                                      <p:cBhvr>
+                                        <p:cTn id="30" dur="1" fill="hold">
+                                          <p:stCondLst>
+                                            <p:cond delay="0"/>
+                                          </p:stCondLst>
+                                        </p:cTn>
+                                        <p:tgtEl>
+                                          <p:spTgt spid="3">
+                                            <p:txEl>
+                                              <p:pRg st="4" end="4"/>
+                                            </p:txEl>
+                                          </p:spTgt>
+                                        </p:tgtEl>
+                                        <p:attrNameLst>
+                                          <p:attrName>style.visibility</p:attrName>
+                                        </p:attrNameLst>
+                                      </p:cBhvr>
+                                      <p:to>
+                                        <p:strVal val="visible"/>
+                                      </p:to>
+                                    </p:set>
+                                    <p:anim calcmode="lin" valueType="num">
+                                      <p:cBhvr additive="base">
+                                        <p:cTn id="31" dur="500" fill="hold"/>
+                                        <p:tgtEl>
+                                          <p:spTgt spid="3">
+                                            <p:txEl>
+                                              <p:pRg st="4" end="4"/>
+                                            </p:txEl>
+                                          </p:spTgt>
+                                        </p:tgtEl>
+                                        <p:attrNameLst>
+                                          <p:attrName>ppt_x</p:attrName>
+                                        </p:attrNameLst>
+                                      </p:cBhvr>
+                                      <p:tavLst>
+                                        <p:tav tm="0">
+                                          <p:val>
+                                            <p:strVal val="#ppt_x"/>
+                                          </p:val>
+                                        </p:tav>
+                                        <p:tav tm="100000">
+                                          <p:val>
+                                            <p:strVal val="#ppt_x"/>
+                                          </p:val>
+                                        </p:tav>
+                                      </p:tavLst>
+                                    </p:anim>
+                                    <p:anim calcmode="lin" valueType="num">
+                                      <p:cBhvr additive="base">
+                                        <p:cTn id="32" dur="500" fill="hold"/>
+                                        <p:tgtEl>
+                                          <p:spTgt spid="3">
+                                            <p:txEl>
+                                              <p:pRg st="4" end="4"/>
+                                            </p:txEl>
+                                          </p:spTgt>
+                                        </p:tgtEl>
+                                        <p:attrNameLst>
+                                          <p:attrName>ppt_y</p:attrName>
+                                        </p:attrNameLst>
+                                      </p:cBhvr>
+                                      <p:tavLst>
+                                        <p:tav tm="0">
+                                          <p:val>
+                                            <p:strVal val="1+#ppt_h/2"/>
+                                          </p:val>
+                                        </p:tav>
+                                        <p:tav tm="100000">
+                                          <p:val>
+                                            <p:strVal val="#ppt_y"/>
+                                          </p:val>
+                                        </p:tav>
+                                      </p:tavLst>
+                                    </p:anim>
+                                  </p:childTnLst>
+                                </p:cTn>
+                              </p:par>
+                            </p:childTnLst>
+                          </p:cTn>
+                        </p:par>
+                      </p:childTnLst>
+                    </p:cTn>
+                  </p:par>
+                  <p:par>
+                    <p:cTn id="33" fill="hold">
+                      <p:stCondLst>
+                        <p:cond delay="indefinite"/>
+                      </p:stCondLst>
+                      <p:childTnLst>
+                        <p:par>
+                          <p:cTn id="34" fill="hold">
+                            <p:stCondLst>
+                              <p:cond delay="0"/>
+                            </p:stCondLst>
+                            <p:childTnLst>
+                              <p:par>
+                                <p:cTn id="35" presetID="2" presetClass="entr" presetSubtype="4" fill="hold" nodeType="clickEffect">
+                                  <p:stCondLst>
+                                    <p:cond delay="0"/>
+                                  </p:stCondLst>
+                                  <p:childTnLst>
+                                    <p:set>
+                                      <p:cBhvr>
+                                        <p:cTn id="36" dur="1" fill="hold">
+                                          <p:stCondLst>
+                                            <p:cond delay="0"/>
+                                          </p:stCondLst>
+                                        </p:cTn>
+                                        <p:tgtEl>
+                                          <p:spTgt spid="3">
+                                            <p:txEl>
+                                              <p:pRg st="5" end="5"/>
+                                            </p:txEl>
+                                          </p:spTgt>
+                                        </p:tgtEl>
+                                        <p:attrNameLst>
+                                          <p:attrName>style.visibility</p:attrName>
+                                        </p:attrNameLst>
+                                      </p:cBhvr>
+                                      <p:to>
+                                        <p:strVal val="visible"/>
+                                      </p:to>
+                                    </p:set>
+                                    <p:anim calcmode="lin" valueType="num">
+                                      <p:cBhvr additive="base">
+                                        <p:cTn id="37" dur="500" fill="hold"/>
+                                        <p:tgtEl>
+                                          <p:spTgt spid="3">
+                                            <p:txEl>
+                                              <p:pRg st="5" end="5"/>
+                                            </p:txEl>
+                                          </p:spTgt>
+                                        </p:tgtEl>
+                                        <p:attrNameLst>
+                                          <p:attrName>ppt_x</p:attrName>
+                                        </p:attrNameLst>
+                                      </p:cBhvr>
+                                      <p:tavLst>
+                                        <p:tav tm="0">
+                                          <p:val>
+                                            <p:strVal val="#ppt_x"/>
+                                          </p:val>
+                                        </p:tav>
+                                        <p:tav tm="100000">
+                                          <p:val>
+                                            <p:strVal val="#ppt_x"/>
+                                          </p:val>
+                                        </p:tav>
+                                      </p:tavLst>
+                                    </p:anim>
+                                    <p:anim calcmode="lin" valueType="num">
+                                      <p:cBhvr additive="base">
+                                        <p:cTn id="38" dur="500" fill="hold"/>
+                                        <p:tgtEl>
+                                          <p:spTgt spid="3">
+                                            <p:txEl>
+                                              <p:pRg st="5" end="5"/>
+                                            </p:txEl>
+                                          </p:spTgt>
+                                        </p:tgtEl>
+                                        <p:attrNameLst>
+                                          <p:attrName>ppt_y</p:attrName>
+                                        </p:attrNameLst>
+                                      </p:cBhvr>
+                                      <p:tavLst>
+                                        <p:tav tm="0">
+                                          <p:val>
+                                            <p:strVal val="1+#ppt_h/2"/>
+                                          </p:val>
+                                        </p:tav>
+                                        <p:tav tm="100000">
+                                          <p:val>
+                                            <p:strVal val="#ppt_y"/>
+                                          </p:val>
+                                        </p:tav>
+                                      </p:tavLst>
+                                    </p:anim>
+                                  </p:childTnLst>
+                                </p:cTn>
+                              </p:par>
+                            </p:childTnLst>
+                          </p:cTn>
+                        </p:par>
+                      </p:childTnLst>
+                    </p:cTn>
+                  </p:par>
+                </p:childTnLst>
+              </p:cTn>
+              <p:prevCondLst>
+                <p:cond evt="onPrev" delay="0">
+                  <p:tgtEl>
+                    <p:sldTgt/>
+                  </p:tgtEl>
+                </p:cond>
+              </p:prevCondLst>
+              <p:nextCondLst>
+                <p:cond evt="onNext" delay="0">
+                  <p:tgtEl>
+                    <p:sldTgt/>
+                  </p:tgtEl>
+                </p:cond>
+              </p:nextCondLst>
+            </p:seq>
+          </p:childTnLst>
+        </p:cTn>
+      </p:par>
+    </p:tnLst>
+  </p:timing>
+</p:sld>
+</file>
+
+<file path=ppt/slides/slide3.xml><?xml version="1.0" encoding="utf-8"?>
+<p:sld xmlns:a="http://schemas.openxmlformats.org/drawingml/2006/main" xmlns:r="http://schemas.openxmlformats.org/officeDocument/2006/relationships" xmlns:p="http://schemas.openxmlformats.org/presentationml/2006/main">
+  <p:cSld>
+    <p:spTree>
+      <p:nvGrpSpPr>
+        <p:cNvPr id="1" name=""/>
+        <p:cNvGrpSpPr/>
+        <p:nvPr/>
+      </p:nvGrpSpPr>
+      <p:grpSpPr>
+        <a:xfrm>
+          <a:off x="0" y="0"/>
+          <a:ext cx="0" cy="0"/>
+          <a:chOff x="0" y="0"/>
+          <a:chExt cx="0" cy="0"/>
+        </a:xfrm>
+      </p:grpSpPr>
+      <p:sp>
+        <p:nvSpPr>
+          <p:cNvPr id="2" name="标题 1"/>
+          <p:cNvSpPr>
+            <a:spLocks noGrp="1"/>
+          </p:cNvSpPr>
+          <p:nvPr>
+            <p:ph type="title"/>
+          </p:nvPr>
+        </p:nvSpPr>
+        <p:spPr>
+          <a:xfrm>
+            <a:off x="393700" y="88900"/>
+            <a:ext cx="10515600" cy="892175"/>
+          </a:xfrm>
+        </p:spPr>
+        <p:txBody>
+          <a:bodyPr/>
+          <a:lstStyle/>
+          <a:p>
+            <a:r>
+              <a:rPr lang="zh-CN" altLang="en-US" dirty="0" smtClean="0"/>
+              <a:t>敏捷宣言</a:t>
+            </a:r>
+            <a:endParaRPr lang="zh-CN" altLang="en-US" dirty="0"/>
+          </a:p>
+        </p:txBody>
+      </p:sp>
+      <p:sp>
+        <p:nvSpPr>
+          <p:cNvPr id="4" name="竖卷形 3"/>
+          <p:cNvSpPr/>
+          <p:nvPr/>
+        </p:nvSpPr>
+        <p:spPr>
+          <a:xfrm>
+            <a:off x="812800" y="787400"/>
+            <a:ext cx="10998200" cy="6070600"/>
+          </a:xfrm>
+          <a:prstGeom prst="verticalScroll">
+            <a:avLst/>
+          </a:prstGeom>
+          <a:noFill/>
+        </p:spPr>
+        <p:style>
+          <a:lnRef idx="2">
+            <a:schemeClr val="accent1">
+              <a:shade val="50000"/>
+            </a:schemeClr>
+          </a:lnRef>
+          <a:fillRef idx="1">
+            <a:schemeClr val="accent1"/>
+          </a:fillRef>
+          <a:effectRef idx="0">
+            <a:schemeClr val="accent1"/>
+          </a:effectRef>
+          <a:fontRef idx="minor">
+            <a:schemeClr val="lt1"/>
+          </a:fontRef>
+        </p:style>
+        <p:txBody>
+          <a:bodyPr rtlCol="0" anchor="ctr"/>
+          <a:lstStyle/>
+          <a:p>
+            <a:pPr>
+              <a:lnSpc>
+                <a:spcPct val="150000"/>
+              </a:lnSpc>
+              <a:spcBef>
+                <a:spcPts val="1000"/>
+              </a:spcBef>
+            </a:pPr>
+            <a:endParaRPr lang="en-US" altLang="zh-CN" sz="2800" b="1" kern="0" dirty="0" smtClean="0">
+              <a:solidFill>
+                <a:schemeClr val="tx1"/>
+              </a:solidFill>
+              <a:latin typeface="Times New Roman" panose="02020603050405020304" pitchFamily="18" charset="0"/>
+              <a:ea typeface="楷体" panose="02010609060101010101" pitchFamily="49" charset="-122"/>
+              <a:cs typeface="Times New Roman" panose="02020603050405020304" pitchFamily="18" charset="0"/>
+            </a:endParaRPr>
+          </a:p>
+          <a:p>
+            <a:pPr>
+              <a:lnSpc>
+                <a:spcPct val="150000"/>
+              </a:lnSpc>
+              <a:spcBef>
+                <a:spcPts val="1000"/>
+              </a:spcBef>
+            </a:pPr>
+            <a:r>
+              <a:rPr lang="zh-CN" altLang="en-US" sz="2800" b="1" kern="0" dirty="0" smtClean="0">
+                <a:solidFill>
+                  <a:schemeClr val="tx1"/>
+                </a:solidFill>
+                <a:latin typeface="Times New Roman" panose="02020603050405020304" pitchFamily="18" charset="0"/>
+                <a:ea typeface="楷体" panose="02010609060101010101" pitchFamily="49" charset="-122"/>
+                <a:cs typeface="Times New Roman" panose="02020603050405020304" pitchFamily="18" charset="0"/>
+              </a:rPr>
+              <a:t>我们</a:t>
+            </a:r>
+            <a:r>
+              <a:rPr lang="zh-CN" altLang="en-US" sz="2800" b="1" kern="0" dirty="0">
+                <a:solidFill>
+                  <a:schemeClr val="tx1"/>
+                </a:solidFill>
+                <a:latin typeface="Times New Roman" panose="02020603050405020304" pitchFamily="18" charset="0"/>
+                <a:ea typeface="楷体" panose="02010609060101010101" pitchFamily="49" charset="-122"/>
+                <a:cs typeface="Times New Roman" panose="02020603050405020304" pitchFamily="18" charset="0"/>
+              </a:rPr>
+              <a:t>一直在实践中探寻更好的软件开发方法，</a:t>
+            </a:r>
+            <a:br>
+              <a:rPr lang="zh-CN" altLang="en-US" sz="2800" b="1" kern="0" dirty="0">
+                <a:solidFill>
+                  <a:schemeClr val="tx1"/>
+                </a:solidFill>
+                <a:latin typeface="Times New Roman" panose="02020603050405020304" pitchFamily="18" charset="0"/>
+                <a:ea typeface="楷体" panose="02010609060101010101" pitchFamily="49" charset="-122"/>
+                <a:cs typeface="Times New Roman" panose="02020603050405020304" pitchFamily="18" charset="0"/>
+              </a:rPr>
+            </a:br>
+            <a:r>
+              <a:rPr lang="zh-CN" altLang="en-US" sz="2800" b="1" kern="0" dirty="0">
+                <a:solidFill>
+                  <a:schemeClr val="tx1"/>
+                </a:solidFill>
+                <a:latin typeface="Times New Roman" panose="02020603050405020304" pitchFamily="18" charset="0"/>
+                <a:ea typeface="楷体" panose="02010609060101010101" pitchFamily="49" charset="-122"/>
+                <a:cs typeface="Times New Roman" panose="02020603050405020304" pitchFamily="18" charset="0"/>
+              </a:rPr>
+              <a:t>身体力行的同时也帮助他人。由此我们建立了如下价值观：</a:t>
+            </a:r>
+          </a:p>
+          <a:p>
+            <a:pPr>
+              <a:lnSpc>
+                <a:spcPct val="150000"/>
+              </a:lnSpc>
+              <a:spcBef>
+                <a:spcPts val="1000"/>
+              </a:spcBef>
+            </a:pPr>
+            <a:r>
+              <a:rPr lang="zh-CN" altLang="en-US" sz="2800" b="1" kern="0" dirty="0">
+                <a:solidFill>
+                  <a:srgbClr val="FF0000"/>
+                </a:solidFill>
+                <a:latin typeface="Times New Roman" panose="02020603050405020304" pitchFamily="18" charset="0"/>
+                <a:ea typeface="楷体" panose="02010609060101010101" pitchFamily="49" charset="-122"/>
+                <a:cs typeface="Times New Roman" panose="02020603050405020304" pitchFamily="18" charset="0"/>
+              </a:rPr>
+              <a:t>个体</a:t>
+            </a:r>
+            <a:r>
+              <a:rPr lang="zh-CN" altLang="en-US" sz="2800" b="1" kern="0" dirty="0">
+                <a:solidFill>
+                  <a:schemeClr val="tx1"/>
+                </a:solidFill>
+                <a:latin typeface="Times New Roman" panose="02020603050405020304" pitchFamily="18" charset="0"/>
+                <a:ea typeface="楷体" panose="02010609060101010101" pitchFamily="49" charset="-122"/>
+                <a:cs typeface="Times New Roman" panose="02020603050405020304" pitchFamily="18" charset="0"/>
+              </a:rPr>
+              <a:t>和</a:t>
+            </a:r>
+            <a:r>
+              <a:rPr lang="zh-CN" altLang="en-US" sz="2800" b="1" kern="0" dirty="0">
+                <a:solidFill>
+                  <a:srgbClr val="FF0000"/>
+                </a:solidFill>
+                <a:latin typeface="Times New Roman" panose="02020603050405020304" pitchFamily="18" charset="0"/>
+                <a:ea typeface="楷体" panose="02010609060101010101" pitchFamily="49" charset="-122"/>
+                <a:cs typeface="Times New Roman" panose="02020603050405020304" pitchFamily="18" charset="0"/>
+              </a:rPr>
+              <a:t>互动</a:t>
+            </a:r>
+            <a:r>
+              <a:rPr lang="zh-CN" altLang="en-US" sz="2800" b="1" kern="0" dirty="0">
+                <a:solidFill>
+                  <a:schemeClr val="tx1"/>
+                </a:solidFill>
+                <a:latin typeface="Times New Roman" panose="02020603050405020304" pitchFamily="18" charset="0"/>
+                <a:ea typeface="楷体" panose="02010609060101010101" pitchFamily="49" charset="-122"/>
+                <a:cs typeface="Times New Roman" panose="02020603050405020304" pitchFamily="18" charset="0"/>
+              </a:rPr>
+              <a:t> 高于 流程和工具</a:t>
+            </a:r>
+            <a:br>
+              <a:rPr lang="zh-CN" altLang="en-US" sz="2800" b="1" kern="0" dirty="0">
+                <a:solidFill>
+                  <a:schemeClr val="tx1"/>
+                </a:solidFill>
+                <a:latin typeface="Times New Roman" panose="02020603050405020304" pitchFamily="18" charset="0"/>
+                <a:ea typeface="楷体" panose="02010609060101010101" pitchFamily="49" charset="-122"/>
+                <a:cs typeface="Times New Roman" panose="02020603050405020304" pitchFamily="18" charset="0"/>
+              </a:rPr>
+            </a:br>
+            <a:r>
+              <a:rPr lang="zh-CN" altLang="en-US" sz="2800" b="1" kern="0" dirty="0">
+                <a:solidFill>
+                  <a:srgbClr val="FF0000"/>
+                </a:solidFill>
+                <a:latin typeface="Times New Roman" panose="02020603050405020304" pitchFamily="18" charset="0"/>
+                <a:ea typeface="楷体" panose="02010609060101010101" pitchFamily="49" charset="-122"/>
+                <a:cs typeface="Times New Roman" panose="02020603050405020304" pitchFamily="18" charset="0"/>
+              </a:rPr>
+              <a:t>可用</a:t>
+            </a:r>
+            <a:r>
+              <a:rPr lang="zh-CN" altLang="en-US" sz="2800" b="1" kern="0" dirty="0" smtClean="0">
+                <a:solidFill>
+                  <a:srgbClr val="FF0000"/>
+                </a:solidFill>
+                <a:latin typeface="Times New Roman" panose="02020603050405020304" pitchFamily="18" charset="0"/>
+                <a:ea typeface="楷体" panose="02010609060101010101" pitchFamily="49" charset="-122"/>
+                <a:cs typeface="Times New Roman" panose="02020603050405020304" pitchFamily="18" charset="0"/>
+              </a:rPr>
+              <a:t>的</a:t>
+            </a:r>
+            <a:r>
+              <a:rPr lang="zh-CN" altLang="en-US" sz="2800" b="1" kern="0" dirty="0">
+                <a:solidFill>
+                  <a:srgbClr val="FF0000"/>
+                </a:solidFill>
+                <a:latin typeface="Times New Roman" panose="02020603050405020304" pitchFamily="18" charset="0"/>
+                <a:ea typeface="楷体" panose="02010609060101010101" pitchFamily="49" charset="-122"/>
+                <a:cs typeface="Times New Roman" panose="02020603050405020304" pitchFamily="18" charset="0"/>
+              </a:rPr>
+              <a:t>软件</a:t>
+            </a:r>
+            <a:r>
+              <a:rPr lang="zh-CN" altLang="en-US" sz="2800" b="1" kern="0" dirty="0">
+                <a:solidFill>
+                  <a:schemeClr val="tx1"/>
+                </a:solidFill>
+                <a:latin typeface="Times New Roman" panose="02020603050405020304" pitchFamily="18" charset="0"/>
+                <a:ea typeface="楷体" panose="02010609060101010101" pitchFamily="49" charset="-122"/>
+                <a:cs typeface="Times New Roman" panose="02020603050405020304" pitchFamily="18" charset="0"/>
+              </a:rPr>
+              <a:t> 高于 详尽的文档</a:t>
+            </a:r>
+            <a:br>
+              <a:rPr lang="zh-CN" altLang="en-US" sz="2800" b="1" kern="0" dirty="0">
+                <a:solidFill>
+                  <a:schemeClr val="tx1"/>
+                </a:solidFill>
+                <a:latin typeface="Times New Roman" panose="02020603050405020304" pitchFamily="18" charset="0"/>
+                <a:ea typeface="楷体" panose="02010609060101010101" pitchFamily="49" charset="-122"/>
+                <a:cs typeface="Times New Roman" panose="02020603050405020304" pitchFamily="18" charset="0"/>
+              </a:rPr>
+            </a:br>
+            <a:r>
+              <a:rPr lang="zh-CN" altLang="en-US" sz="2800" b="1" kern="0" dirty="0" smtClean="0">
+                <a:solidFill>
+                  <a:srgbClr val="FF0000"/>
+                </a:solidFill>
+                <a:latin typeface="Times New Roman" panose="02020603050405020304" pitchFamily="18" charset="0"/>
+                <a:ea typeface="楷体" panose="02010609060101010101" pitchFamily="49" charset="-122"/>
+                <a:cs typeface="Times New Roman" panose="02020603050405020304" pitchFamily="18" charset="0"/>
+              </a:rPr>
+              <a:t>客户</a:t>
+            </a:r>
+            <a:r>
+              <a:rPr lang="zh-CN" altLang="en-US" sz="2800" b="1" kern="0" dirty="0">
+                <a:solidFill>
+                  <a:srgbClr val="FF0000"/>
+                </a:solidFill>
+                <a:latin typeface="Times New Roman" panose="02020603050405020304" pitchFamily="18" charset="0"/>
+                <a:ea typeface="楷体" panose="02010609060101010101" pitchFamily="49" charset="-122"/>
+                <a:cs typeface="Times New Roman" panose="02020603050405020304" pitchFamily="18" charset="0"/>
+              </a:rPr>
+              <a:t>协作</a:t>
+            </a:r>
+            <a:r>
+              <a:rPr lang="zh-CN" altLang="en-US" sz="2800" b="1" kern="0" dirty="0">
+                <a:solidFill>
+                  <a:schemeClr val="tx1"/>
+                </a:solidFill>
+                <a:latin typeface="Times New Roman" panose="02020603050405020304" pitchFamily="18" charset="0"/>
+                <a:ea typeface="楷体" panose="02010609060101010101" pitchFamily="49" charset="-122"/>
+                <a:cs typeface="Times New Roman" panose="02020603050405020304" pitchFamily="18" charset="0"/>
+              </a:rPr>
+              <a:t> 高于 合同谈判</a:t>
+            </a:r>
+            <a:br>
+              <a:rPr lang="zh-CN" altLang="en-US" sz="2800" b="1" kern="0" dirty="0">
+                <a:solidFill>
+                  <a:schemeClr val="tx1"/>
+                </a:solidFill>
+                <a:latin typeface="Times New Roman" panose="02020603050405020304" pitchFamily="18" charset="0"/>
+                <a:ea typeface="楷体" panose="02010609060101010101" pitchFamily="49" charset="-122"/>
+                <a:cs typeface="Times New Roman" panose="02020603050405020304" pitchFamily="18" charset="0"/>
+              </a:rPr>
+            </a:br>
+            <a:r>
+              <a:rPr lang="zh-CN" altLang="en-US" sz="2800" b="1" kern="0" dirty="0">
+                <a:solidFill>
+                  <a:srgbClr val="FF0000"/>
+                </a:solidFill>
+                <a:latin typeface="Times New Roman" panose="02020603050405020304" pitchFamily="18" charset="0"/>
+                <a:ea typeface="楷体" panose="02010609060101010101" pitchFamily="49" charset="-122"/>
+                <a:cs typeface="Times New Roman" panose="02020603050405020304" pitchFamily="18" charset="0"/>
+              </a:rPr>
+              <a:t>响应变化 </a:t>
+            </a:r>
+            <a:r>
+              <a:rPr lang="zh-CN" altLang="en-US" sz="2800" b="1" kern="0" dirty="0">
+                <a:solidFill>
+                  <a:schemeClr val="tx1"/>
+                </a:solidFill>
+                <a:latin typeface="Times New Roman" panose="02020603050405020304" pitchFamily="18" charset="0"/>
+                <a:ea typeface="楷体" panose="02010609060101010101" pitchFamily="49" charset="-122"/>
+                <a:cs typeface="Times New Roman" panose="02020603050405020304" pitchFamily="18" charset="0"/>
+              </a:rPr>
+              <a:t>胜过</a:t>
+            </a:r>
+            <a:r>
+              <a:rPr lang="zh-CN" altLang="en-US" sz="2800" b="1" kern="0" dirty="0" smtClean="0">
+                <a:solidFill>
+                  <a:schemeClr val="tx1"/>
+                </a:solidFill>
+                <a:latin typeface="Times New Roman" panose="02020603050405020304" pitchFamily="18" charset="0"/>
+                <a:ea typeface="楷体" panose="02010609060101010101" pitchFamily="49" charset="-122"/>
+                <a:cs typeface="Times New Roman" panose="02020603050405020304" pitchFamily="18" charset="0"/>
+              </a:rPr>
+              <a:t> </a:t>
+            </a:r>
+            <a:r>
+              <a:rPr lang="zh-CN" altLang="en-US" sz="2800" b="1" kern="0" dirty="0">
+                <a:solidFill>
+                  <a:schemeClr val="tx1"/>
+                </a:solidFill>
+                <a:latin typeface="Times New Roman" panose="02020603050405020304" pitchFamily="18" charset="0"/>
+                <a:ea typeface="楷体" panose="02010609060101010101" pitchFamily="49" charset="-122"/>
+                <a:cs typeface="Times New Roman" panose="02020603050405020304" pitchFamily="18" charset="0"/>
+              </a:rPr>
+              <a:t>遵循</a:t>
+            </a:r>
+            <a:r>
+              <a:rPr lang="zh-CN" altLang="en-US" sz="2800" b="1" kern="0" dirty="0" smtClean="0">
+                <a:solidFill>
+                  <a:schemeClr val="tx1"/>
+                </a:solidFill>
+                <a:latin typeface="Times New Roman" panose="02020603050405020304" pitchFamily="18" charset="0"/>
+                <a:ea typeface="楷体" panose="02010609060101010101" pitchFamily="49" charset="-122"/>
+                <a:cs typeface="Times New Roman" panose="02020603050405020304" pitchFamily="18" charset="0"/>
+              </a:rPr>
+              <a:t>计划</a:t>
+            </a:r>
+            <a:endParaRPr lang="en-US" altLang="zh-CN" sz="2800" b="1" kern="0" dirty="0" smtClean="0">
+              <a:solidFill>
+                <a:schemeClr val="tx1"/>
+              </a:solidFill>
+              <a:latin typeface="Times New Roman" panose="02020603050405020304" pitchFamily="18" charset="0"/>
+              <a:ea typeface="楷体" panose="02010609060101010101" pitchFamily="49" charset="-122"/>
+              <a:cs typeface="Times New Roman" panose="02020603050405020304" pitchFamily="18" charset="0"/>
+            </a:endParaRPr>
+          </a:p>
+          <a:p>
+            <a:pPr>
+              <a:lnSpc>
+                <a:spcPct val="150000"/>
+              </a:lnSpc>
+              <a:spcBef>
+                <a:spcPts val="1000"/>
+              </a:spcBef>
+            </a:pPr>
+            <a:r>
+              <a:rPr lang="zh-CN" altLang="en-US" sz="2800" b="1" kern="0" dirty="0" smtClean="0">
+                <a:solidFill>
+                  <a:schemeClr val="tx1"/>
+                </a:solidFill>
+                <a:latin typeface="Times New Roman" panose="02020603050405020304" pitchFamily="18" charset="0"/>
+                <a:ea typeface="楷体" panose="02010609060101010101" pitchFamily="49" charset="-122"/>
+                <a:cs typeface="Times New Roman" panose="02020603050405020304" pitchFamily="18" charset="0"/>
+              </a:rPr>
+              <a:t>也就是说，虽然后半部分的条目也具有其价值</a:t>
+            </a:r>
+            <a:br>
+              <a:rPr lang="zh-CN" altLang="en-US" sz="2800" b="1" kern="0" dirty="0" smtClean="0">
+                <a:solidFill>
+                  <a:schemeClr val="tx1"/>
+                </a:solidFill>
+                <a:latin typeface="Times New Roman" panose="02020603050405020304" pitchFamily="18" charset="0"/>
+                <a:ea typeface="楷体" panose="02010609060101010101" pitchFamily="49" charset="-122"/>
+                <a:cs typeface="Times New Roman" panose="02020603050405020304" pitchFamily="18" charset="0"/>
+              </a:rPr>
+            </a:br>
+            <a:r>
+              <a:rPr lang="zh-CN" altLang="en-US" sz="2800" b="1" kern="0" dirty="0" smtClean="0">
+                <a:solidFill>
+                  <a:schemeClr val="tx1"/>
+                </a:solidFill>
+                <a:latin typeface="Times New Roman" panose="02020603050405020304" pitchFamily="18" charset="0"/>
+                <a:ea typeface="楷体" panose="02010609060101010101" pitchFamily="49" charset="-122"/>
+                <a:cs typeface="Times New Roman" panose="02020603050405020304" pitchFamily="18" charset="0"/>
+              </a:rPr>
+              <a:t>但我们更看重前半部分的条目</a:t>
+            </a:r>
+            <a:endParaRPr lang="zh-CN" altLang="en-US" sz="2800" b="1" kern="0" dirty="0">
+              <a:solidFill>
+                <a:schemeClr val="tx1"/>
+              </a:solidFill>
+              <a:latin typeface="Times New Roman" panose="02020603050405020304" pitchFamily="18" charset="0"/>
+              <a:ea typeface="楷体" panose="02010609060101010101" pitchFamily="49" charset="-122"/>
+              <a:cs typeface="Times New Roman" panose="02020603050405020304" pitchFamily="18" charset="0"/>
+            </a:endParaRPr>
+          </a:p>
+          <a:p>
+            <a:pPr>
+              <a:lnSpc>
+                <a:spcPct val="150000"/>
+              </a:lnSpc>
+              <a:spcBef>
+                <a:spcPts val="1000"/>
+              </a:spcBef>
+            </a:pPr>
+            <a:endParaRPr lang="zh-CN" altLang="en-US" sz="2800" b="1" kern="0" dirty="0">
+              <a:solidFill>
+                <a:schemeClr val="tx1"/>
+              </a:solidFill>
+              <a:latin typeface="Times New Roman" panose="02020603050405020304" pitchFamily="18" charset="0"/>
+              <a:ea typeface="楷体" panose="02010609060101010101" pitchFamily="49" charset="-122"/>
+              <a:cs typeface="Times New Roman" panose="02020603050405020304" pitchFamily="18" charset="0"/>
+            </a:endParaRPr>
+          </a:p>
+        </p:txBody>
+      </p:sp>
+    </p:spTree>
+    <p:extLst>
+      <p:ext uri="{BB962C8B-B14F-4D97-AF65-F5344CB8AC3E}">
+        <p14:creationId xmlns:p14="http://schemas.microsoft.com/office/powerpoint/2010/main" val="2712819717"/>
+      </p:ext>
+    </p:extLst>
+  </p:cSld>
+  <p:clrMapOvr>
+    <a:masterClrMapping/>
+  </p:clrMapOvr>
+  <p:timing>
+    <p:tnLst>
+      <p:par>
+        <p:cTn id="1" dur="indefinite" restart="never" nodeType="tmRoot">
+          <p:childTnLst>
+            <p:seq concurrent="1" nextAc="seek">
+              <p:cTn id="2" dur="indefinite" nodeType="mainSeq">
+                <p:childTnLst>
+                  <p:par>
+                    <p:cTn id="3" fill="hold">
+                      <p:stCondLst>
+                        <p:cond delay="indefinite"/>
+                      </p:stCondLst>
+                      <p:childTnLst>
+                        <p:par>
+                          <p:cTn id="4" fill="hold">
+                            <p:stCondLst>
+                              <p:cond delay="0"/>
+                            </p:stCondLst>
+                            <p:childTnLst>
+                              <p:par>
+                                <p:cTn id="5" presetID="2" presetClass="entr" presetSubtype="4" fill="hold" nodeType="clickEffect">
+                                  <p:stCondLst>
+                                    <p:cond delay="0"/>
+                                  </p:stCondLst>
+                                  <p:childTnLst>
+                                    <p:set>
+                                      <p:cBhvr>
+                                        <p:cTn id="6" dur="1" fill="hold">
+                                          <p:stCondLst>
+                                            <p:cond delay="0"/>
+                                          </p:stCondLst>
+                                        </p:cTn>
+                                        <p:tgtEl>
+                                          <p:spTgt spid="4">
+                                            <p:txEl>
+                                              <p:pRg st="1" end="1"/>
+                                            </p:txEl>
+                                          </p:spTgt>
+                                        </p:tgtEl>
+                                        <p:attrNameLst>
+                                          <p:attrName>style.visibility</p:attrName>
+                                        </p:attrNameLst>
+                                      </p:cBhvr>
+                                      <p:to>
+                                        <p:strVal val="visible"/>
+                                      </p:to>
+                                    </p:set>
+                                    <p:anim calcmode="lin" valueType="num">
+                                      <p:cBhvr additive="base">
+                                        <p:cTn id="7" dur="500" fill="hold"/>
+                                        <p:tgtEl>
+                                          <p:spTgt spid="4">
+                                            <p:txEl>
+                                              <p:pRg st="1" end="1"/>
+                                            </p:txEl>
+                                          </p:spTgt>
+                                        </p:tgtEl>
+                                        <p:attrNameLst>
+                                          <p:attrName>ppt_x</p:attrName>
+                                        </p:attrNameLst>
+                                      </p:cBhvr>
+                                      <p:tavLst>
+                                        <p:tav tm="0">
+                                          <p:val>
+                                            <p:strVal val="#ppt_x"/>
+                                          </p:val>
+                                        </p:tav>
+                                        <p:tav tm="100000">
+                                          <p:val>
+                                            <p:strVal val="#ppt_x"/>
+                                          </p:val>
+                                        </p:tav>
+                                      </p:tavLst>
+                                    </p:anim>
+                                    <p:anim calcmode="lin" valueType="num">
+                                      <p:cBhvr additive="base">
+                                        <p:cTn id="8" dur="500" fill="hold"/>
+                                        <p:tgtEl>
+                                          <p:spTgt spid="4">
+                                            <p:txEl>
+                                              <p:pRg st="1" end="1"/>
+                                            </p:txEl>
+                                          </p:spTgt>
+                                        </p:tgtEl>
+                                        <p:attrNameLst>
+                                          <p:attrName>ppt_y</p:attrName>
+                                        </p:attrNameLst>
+                                      </p:cBhvr>
+                                      <p:tavLst>
+                                        <p:tav tm="0">
+                                          <p:val>
+                                            <p:strVal val="1+#ppt_h/2"/>
+                                          </p:val>
+                                        </p:tav>
+                                        <p:tav tm="100000">
+                                          <p:val>
+                                            <p:strVal val="#ppt_y"/>
+                                          </p:val>
+                                        </p:tav>
+                                      </p:tavLst>
+                                    </p:anim>
+                                  </p:childTnLst>
+                                </p:cTn>
+                              </p:par>
+                            </p:childTnLst>
+                          </p:cTn>
+                        </p:par>
+                      </p:childTnLst>
+                    </p:cTn>
+                  </p:par>
+                  <p:par>
+                    <p:cTn id="9" fill="hold">
+                      <p:stCondLst>
+                        <p:cond delay="indefinite"/>
+                      </p:stCondLst>
+                      <p:childTnLst>
+                        <p:par>
+                          <p:cTn id="10" fill="hold">
+                            <p:stCondLst>
+                              <p:cond delay="0"/>
+                            </p:stCondLst>
+                            <p:childTnLst>
+                              <p:par>
+                                <p:cTn id="11" presetID="2" presetClass="entr" presetSubtype="4" fill="hold" nodeType="clickEffect">
+                                  <p:stCondLst>
+                                    <p:cond delay="0"/>
+                                  </p:stCondLst>
+                                  <p:childTnLst>
+                                    <p:set>
+                                      <p:cBhvr>
+                                        <p:cTn id="12" dur="1" fill="hold">
+                                          <p:stCondLst>
+                                            <p:cond delay="0"/>
+                                          </p:stCondLst>
+                                        </p:cTn>
+                                        <p:tgtEl>
+                                          <p:spTgt spid="4">
+                                            <p:txEl>
+                                              <p:pRg st="2" end="2"/>
+                                            </p:txEl>
+                                          </p:spTgt>
+                                        </p:tgtEl>
+                                        <p:attrNameLst>
+                                          <p:attrName>style.visibility</p:attrName>
+                                        </p:attrNameLst>
+                                      </p:cBhvr>
+                                      <p:to>
+                                        <p:strVal val="visible"/>
+                                      </p:to>
+                                    </p:set>
+                                    <p:anim calcmode="lin" valueType="num">
+                                      <p:cBhvr additive="base">
+                                        <p:cTn id="13" dur="500" fill="hold"/>
+                                        <p:tgtEl>
+                                          <p:spTgt spid="4">
+                                            <p:txEl>
+                                              <p:pRg st="2" end="2"/>
+                                            </p:txEl>
+                                          </p:spTgt>
+                                        </p:tgtEl>
+                                        <p:attrNameLst>
+                                          <p:attrName>ppt_x</p:attrName>
+                                        </p:attrNameLst>
+                                      </p:cBhvr>
+                                      <p:tavLst>
+                                        <p:tav tm="0">
+                                          <p:val>
+                                            <p:strVal val="#ppt_x"/>
+                                          </p:val>
+                                        </p:tav>
+                                        <p:tav tm="100000">
+                                          <p:val>
+                                            <p:strVal val="#ppt_x"/>
+                                          </p:val>
+                                        </p:tav>
+                                      </p:tavLst>
+                                    </p:anim>
+                                    <p:anim calcmode="lin" valueType="num">
+                                      <p:cBhvr additive="base">
+                                        <p:cTn id="14" dur="500" fill="hold"/>
+                                        <p:tgtEl>
+                                          <p:spTgt spid="4">
+                                            <p:txEl>
+                                              <p:pRg st="2" end="2"/>
+                                            </p:txEl>
+                                          </p:spTgt>
+                                        </p:tgtEl>
+                                        <p:attrNameLst>
+                                          <p:attrName>ppt_y</p:attrName>
+                                        </p:attrNameLst>
+                                      </p:cBhvr>
+                                      <p:tavLst>
+                                        <p:tav tm="0">
+                                          <p:val>
+                                            <p:strVal val="1+#ppt_h/2"/>
+                                          </p:val>
+                                        </p:tav>
+                                        <p:tav tm="100000">
+                                          <p:val>
+                                            <p:strVal val="#ppt_y"/>
+                                          </p:val>
+                                        </p:tav>
+                                      </p:tavLst>
+                                    </p:anim>
+                                  </p:childTnLst>
+                                </p:cTn>
+                              </p:par>
+                            </p:childTnLst>
+                          </p:cTn>
+                        </p:par>
+                      </p:childTnLst>
+                    </p:cTn>
+                  </p:par>
+                  <p:par>
+                    <p:cTn id="15" fill="hold">
+                      <p:stCondLst>
+                        <p:cond delay="indefinite"/>
+                      </p:stCondLst>
+                      <p:childTnLst>
+                        <p:par>
+                          <p:cTn id="16" fill="hold">
+                            <p:stCondLst>
+                              <p:cond delay="0"/>
+                            </p:stCondLst>
+                            <p:childTnLst>
+                              <p:par>
+                                <p:cTn id="17" presetID="2" presetClass="entr" presetSubtype="4" fill="hold" nodeType="clickEffect">
+                                  <p:stCondLst>
+                                    <p:cond delay="0"/>
+                                  </p:stCondLst>
+                                  <p:childTnLst>
+                                    <p:set>
+                                      <p:cBhvr>
+                                        <p:cTn id="18" dur="1" fill="hold">
+                                          <p:stCondLst>
+                                            <p:cond delay="0"/>
+                                          </p:stCondLst>
+                                        </p:cTn>
+                                        <p:tgtEl>
+                                          <p:spTgt spid="4">
+                                            <p:txEl>
+                                              <p:pRg st="3" end="3"/>
+                                            </p:txEl>
+                                          </p:spTgt>
+                                        </p:tgtEl>
+                                        <p:attrNameLst>
+                                          <p:attrName>style.visibility</p:attrName>
+                                        </p:attrNameLst>
+                                      </p:cBhvr>
+                                      <p:to>
+                                        <p:strVal val="visible"/>
+                                      </p:to>
+                                    </p:set>
+                                    <p:anim calcmode="lin" valueType="num">
+                                      <p:cBhvr additive="base">
+                                        <p:cTn id="19" dur="500" fill="hold"/>
+                                        <p:tgtEl>
+                                          <p:spTgt spid="4">
+                                            <p:txEl>
+                                              <p:pRg st="3" end="3"/>
+                                            </p:txEl>
+                                          </p:spTgt>
+                                        </p:tgtEl>
+                                        <p:attrNameLst>
+                                          <p:attrName>ppt_x</p:attrName>
+                                        </p:attrNameLst>
+                                      </p:cBhvr>
+                                      <p:tavLst>
+                                        <p:tav tm="0">
+                                          <p:val>
+                                            <p:strVal val="#ppt_x"/>
+                                          </p:val>
+                                        </p:tav>
+                                        <p:tav tm="100000">
+                                          <p:val>
+                                            <p:strVal val="#ppt_x"/>
+                                          </p:val>
+                                        </p:tav>
+                                      </p:tavLst>
+                                    </p:anim>
+                                    <p:anim calcmode="lin" valueType="num">
+                                      <p:cBhvr additive="base">
+                                        <p:cTn id="20" dur="500" fill="hold"/>
+                                        <p:tgtEl>
+                                          <p:spTgt spid="4">
+                                            <p:txEl>
+                                              <p:pRg st="3" end="3"/>
+                                            </p:txEl>
+                                          </p:spTgt>
+                                        </p:tgtEl>
+                                        <p:attrNameLst>
+                                          <p:attrName>ppt_y</p:attrName>
+                                        </p:attrNameLst>
+                                      </p:cBhvr>
+                                      <p:tavLst>
+                                        <p:tav tm="0">
+                                          <p:val>
+                                            <p:strVal val="1+#ppt_h/2"/>
+                                          </p:val>
+                                        </p:tav>
+                                        <p:tav tm="100000">
+                                          <p:val>
+                                            <p:strVal val="#ppt_y"/>
+                                          </p:val>
+                                        </p:tav>
+                                      </p:tavLst>
+                                    </p:anim>
+                                  </p:childTnLst>
+                                </p:cTn>
+                              </p:par>
+                            </p:childTnLst>
+                          </p:cTn>
+                        </p:par>
+                      </p:childTnLst>
+                    </p:cTn>
+                  </p:par>
+                </p:childTnLst>
+              </p:cTn>
+              <p:prevCondLst>
+                <p:cond evt="onPrev" delay="0">
+                  <p:tgtEl>
+                    <p:sldTgt/>
+                  </p:tgtEl>
+                </p:cond>
+              </p:prevCondLst>
+              <p:nextCondLst>
+                <p:cond evt="onNext" delay="0">
+                  <p:tgtEl>
+                    <p:sldTgt/>
+                  </p:tgtEl>
+                </p:cond>
+              </p:nextCondLst>
+            </p:seq>
+          </p:childTnLst>
+        </p:cTn>
+      </p:par>
+    </p:tnLst>
+  </p:timing>
+</p:sld>
+</file>
+
+<file path=ppt/slides/slide4.xml><?xml version="1.0" encoding="utf-8"?>
+<p:sld xmlns:a="http://schemas.openxmlformats.org/drawingml/2006/main" xmlns:r="http://schemas.openxmlformats.org/officeDocument/2006/relationships" xmlns:p="http://schemas.openxmlformats.org/presentationml/2006/main">
+  <p:cSld>
+    <p:spTree>
+      <p:nvGrpSpPr>
+        <p:cNvPr id="1" name=""/>
+        <p:cNvGrpSpPr/>
+        <p:nvPr/>
+      </p:nvGrpSpPr>
+      <p:grpSpPr>
+        <a:xfrm>
+          <a:off x="0" y="0"/>
+          <a:ext cx="0" cy="0"/>
+          <a:chOff x="0" y="0"/>
+          <a:chExt cx="0" cy="0"/>
+        </a:xfrm>
+      </p:grpSpPr>
+      <p:sp>
+        <p:nvSpPr>
+          <p:cNvPr id="2" name="标题 1"/>
+          <p:cNvSpPr>
+            <a:spLocks noGrp="1"/>
+          </p:cNvSpPr>
+          <p:nvPr>
+            <p:ph type="title"/>
+          </p:nvPr>
+        </p:nvSpPr>
+        <p:spPr/>
+        <p:txBody>
+          <a:bodyPr/>
+          <a:lstStyle/>
+          <a:p>
+            <a:r>
+              <a:rPr lang="zh-CN" altLang="en-US" dirty="0" smtClean="0"/>
+              <a:t>内容回顾</a:t>
+            </a:r>
+            <a:endParaRPr lang="zh-CN" altLang="en-US" dirty="0"/>
+          </a:p>
+        </p:txBody>
+      </p:sp>
+      <p:sp>
+        <p:nvSpPr>
+          <p:cNvPr id="3" name="内容占位符 2"/>
+          <p:cNvSpPr>
+            <a:spLocks noGrp="1"/>
+          </p:cNvSpPr>
+          <p:nvPr>
+            <p:ph idx="1"/>
+          </p:nvPr>
+        </p:nvSpPr>
+        <p:spPr/>
+        <p:txBody>
+          <a:bodyPr/>
+          <a:lstStyle/>
+          <a:p>
+            <a:r>
+              <a:rPr lang="zh-CN" altLang="en-US" dirty="0" smtClean="0"/>
+              <a:t>敏捷测试</a:t>
+            </a:r>
+            <a:endParaRPr lang="en-US" altLang="zh-CN" dirty="0" smtClean="0"/>
+          </a:p>
+          <a:p>
+            <a:pPr lvl="1"/>
+            <a:r>
+              <a:rPr lang="zh-CN" altLang="en-US" dirty="0"/>
+              <a:t>三</a:t>
+            </a:r>
+            <a:r>
+              <a:rPr lang="zh-CN" altLang="en-US" dirty="0" smtClean="0"/>
+              <a:t>种方法</a:t>
+            </a:r>
+            <a:endParaRPr lang="en-US" altLang="zh-CN" dirty="0" smtClean="0"/>
+          </a:p>
+          <a:p>
+            <a:pPr lvl="2"/>
+            <a:r>
+              <a:rPr lang="zh-CN" altLang="en-US" dirty="0" smtClean="0"/>
+              <a:t>测试驱动开发</a:t>
+            </a:r>
+            <a:endParaRPr lang="en-US" altLang="zh-CN" dirty="0" smtClean="0"/>
+          </a:p>
+          <a:p>
+            <a:pPr lvl="2"/>
+            <a:r>
+              <a:rPr lang="zh-CN" altLang="en-US" dirty="0" smtClean="0"/>
+              <a:t>验收测试驱动开发</a:t>
+            </a:r>
+            <a:endParaRPr lang="en-US" altLang="zh-CN" dirty="0" smtClean="0"/>
+          </a:p>
+          <a:p>
+            <a:pPr lvl="2"/>
+            <a:r>
+              <a:rPr lang="zh-CN" altLang="en-US" dirty="0" smtClean="0"/>
+              <a:t>行为驱动开发</a:t>
+            </a:r>
+            <a:endParaRPr lang="en-US" altLang="zh-CN" dirty="0" smtClean="0"/>
+          </a:p>
+          <a:p>
+            <a:pPr lvl="1"/>
+            <a:endParaRPr lang="zh-CN" altLang="en-US" dirty="0"/>
+          </a:p>
+        </p:txBody>
+      </p:sp>
+    </p:spTree>
+    <p:extLst>
+      <p:ext uri="{BB962C8B-B14F-4D97-AF65-F5344CB8AC3E}">
+        <p14:creationId xmlns:p14="http://schemas.microsoft.com/office/powerpoint/2010/main" val="4285436955"/>
+      </p:ext>
+    </p:extLst>
+  </p:cSld>
+  <p:clrMapOvr>
+    <a:masterClrMapping/>
+  </p:clrMapOvr>
+  <p:timing>
+    <p:tnLst>
+      <p:par>
+        <p:cTn id="1" dur="indefinite" restart="never" nodeType="tmRoot"/>
+      </p:par>
+    </p:tnLst>
+  </p:timing>
+</p:sld>
+</file>
+
+<file path=ppt/slides/slide5.xml><?xml version="1.0" encoding="utf-8"?>
+<p:sld xmlns:a="http://schemas.openxmlformats.org/drawingml/2006/main" xmlns:r="http://schemas.openxmlformats.org/officeDocument/2006/relationships" xmlns:p="http://schemas.openxmlformats.org/presentationml/2006/main">
+  <p:cSld>
+    <p:spTree>
+      <p:nvGrpSpPr>
+        <p:cNvPr id="1" name=""/>
+        <p:cNvGrpSpPr/>
+        <p:nvPr/>
+      </p:nvGrpSpPr>
+      <p:grpSpPr>
+        <a:xfrm>
+          <a:off x="0" y="0"/>
+          <a:ext cx="0" cy="0"/>
+          <a:chOff x="0" y="0"/>
+          <a:chExt cx="0" cy="0"/>
+        </a:xfrm>
+      </p:grpSpPr>
+      <p:sp>
+        <p:nvSpPr>
+          <p:cNvPr id="2" name="标题 1"/>
+          <p:cNvSpPr>
+            <a:spLocks noGrp="1"/>
+          </p:cNvSpPr>
+          <p:nvPr>
+            <p:ph type="title"/>
+          </p:nvPr>
+        </p:nvSpPr>
         <p:spPr>
           <a:xfrm>
             <a:off x="2086591" y="0"/>
@@ -5404,10 +7408,17 @@
   <p:clrMapOvr>
     <a:masterClrMapping/>
   </p:clrMapOvr>
+  <p:timing>
+    <p:tnLst>
+      <p:par>
+        <p:cTn id="1" dur="indefinite" restart="never" nodeType="tmRoot"/>
+      </p:par>
+    </p:tnLst>
+  </p:timing>
 </p:sld>
 </file>
 
-<file path=ppt/slides/slide3.xml><?xml version="1.0" encoding="utf-8"?>
+<file path=ppt/slides/slide6.xml><?xml version="1.0" encoding="utf-8"?>
 <p:sld xmlns:a="http://schemas.openxmlformats.org/drawingml/2006/main" xmlns:r="http://schemas.openxmlformats.org/officeDocument/2006/relationships" xmlns:p="http://schemas.openxmlformats.org/presentationml/2006/main">
   <p:cSld>
     <p:spTree>
@@ -6583,340 +8594,13 @@
   <p:clrMapOvr>
     <a:masterClrMapping/>
   </p:clrMapOvr>
-</p:sld>
-</file>
-
-<file path=ppt/slides/slide4.xml><?xml version="1.0" encoding="utf-8"?>
-<p:sld xmlns:a="http://schemas.openxmlformats.org/drawingml/2006/main" xmlns:r="http://schemas.openxmlformats.org/officeDocument/2006/relationships" xmlns:p="http://schemas.openxmlformats.org/presentationml/2006/main">
-  <p:cSld>
-    <p:spTree>
-      <p:nvGrpSpPr>
-        <p:cNvPr id="1" name=""/>
-        <p:cNvGrpSpPr/>
-        <p:nvPr/>
-      </p:nvGrpSpPr>
-      <p:grpSpPr>
-        <a:xfrm>
-          <a:off x="0" y="0"/>
-          <a:ext cx="0" cy="0"/>
-          <a:chOff x="0" y="0"/>
-          <a:chExt cx="0" cy="0"/>
-        </a:xfrm>
-      </p:grpSpPr>
-      <p:sp>
-        <p:nvSpPr>
-          <p:cNvPr id="2" name="标题 1"/>
-          <p:cNvSpPr>
-            <a:spLocks noGrp="1"/>
-          </p:cNvSpPr>
-          <p:nvPr>
-            <p:ph type="title"/>
-          </p:nvPr>
-        </p:nvSpPr>
-        <p:spPr/>
-        <p:txBody>
-          <a:bodyPr/>
-          <a:lstStyle/>
-          <a:p>
-            <a:r>
-              <a:rPr lang="zh-CN" altLang="en-US" smtClean="0"/>
-              <a:t>什么叫面向业务的测试</a:t>
-            </a:r>
-            <a:endParaRPr lang="zh-CN" altLang="en-US" dirty="0"/>
-          </a:p>
-        </p:txBody>
-      </p:sp>
-      <p:sp>
-        <p:nvSpPr>
-          <p:cNvPr id="3" name="内容占位符 2"/>
-          <p:cNvSpPr>
-            <a:spLocks noGrp="1"/>
-          </p:cNvSpPr>
-          <p:nvPr>
-            <p:ph idx="1"/>
-          </p:nvPr>
-        </p:nvSpPr>
-        <p:spPr/>
-        <p:txBody>
-          <a:bodyPr/>
-          <a:lstStyle/>
-          <a:p>
-            <a:r>
-              <a:rPr lang="zh-CN" altLang="en-US" smtClean="0"/>
-              <a:t>面向业务的测试也称为“面向客户”、“故事”、“客户”和“验收”（面向功能的验收）</a:t>
-            </a:r>
-            <a:endParaRPr lang="en-US" altLang="zh-CN" smtClean="0"/>
-          </a:p>
-          <a:p>
-            <a:r>
-              <a:rPr lang="zh-CN" altLang="en-US" smtClean="0"/>
-              <a:t>面向业务的测试基于什么？</a:t>
-            </a:r>
-            <a:endParaRPr lang="zh-CN" altLang="en-US" dirty="0"/>
-          </a:p>
-        </p:txBody>
-      </p:sp>
-    </p:spTree>
-    <p:extLst>
-      <p:ext uri="{BB962C8B-B14F-4D97-AF65-F5344CB8AC3E}">
-        <p14:creationId xmlns:p14="http://schemas.microsoft.com/office/powerpoint/2010/main" val="2695027577"/>
-      </p:ext>
-    </p:extLst>
-  </p:cSld>
-  <p:clrMapOvr>
-    <a:masterClrMapping/>
-  </p:clrMapOvr>
-</p:sld>
-</file>
-
-<file path=ppt/slides/slide5.xml><?xml version="1.0" encoding="utf-8"?>
-<p:sld xmlns:a="http://schemas.openxmlformats.org/drawingml/2006/main" xmlns:r="http://schemas.openxmlformats.org/officeDocument/2006/relationships" xmlns:p="http://schemas.openxmlformats.org/presentationml/2006/main">
-  <p:cSld>
-    <p:spTree>
-      <p:nvGrpSpPr>
-        <p:cNvPr id="1" name=""/>
-        <p:cNvGrpSpPr/>
-        <p:nvPr/>
-      </p:nvGrpSpPr>
-      <p:grpSpPr>
-        <a:xfrm>
-          <a:off x="0" y="0"/>
-          <a:ext cx="0" cy="0"/>
-          <a:chOff x="0" y="0"/>
-          <a:chExt cx="0" cy="0"/>
-        </a:xfrm>
-      </p:grpSpPr>
-      <p:sp>
-        <p:nvSpPr>
-          <p:cNvPr id="2" name="标题 1"/>
-          <p:cNvSpPr>
-            <a:spLocks noGrp="1"/>
-          </p:cNvSpPr>
-          <p:nvPr>
-            <p:ph type="title"/>
-          </p:nvPr>
-        </p:nvSpPr>
-        <p:spPr/>
-        <p:txBody>
-          <a:bodyPr/>
-          <a:lstStyle/>
-          <a:p>
-            <a:r>
-              <a:rPr lang="zh-CN" altLang="en-US" smtClean="0"/>
-              <a:t>需求</a:t>
-            </a:r>
-            <a:endParaRPr lang="zh-CN" altLang="en-US" dirty="0"/>
-          </a:p>
-        </p:txBody>
-      </p:sp>
-      <p:sp>
-        <p:nvSpPr>
-          <p:cNvPr id="3" name="内容占位符 2"/>
-          <p:cNvSpPr>
-            <a:spLocks noGrp="1"/>
-          </p:cNvSpPr>
-          <p:nvPr>
-            <p:ph idx="1"/>
-          </p:nvPr>
-        </p:nvSpPr>
-        <p:spPr/>
-        <p:txBody>
-          <a:bodyPr/>
-          <a:lstStyle/>
-          <a:p>
-            <a:r>
-              <a:rPr lang="zh-CN" altLang="en-US" smtClean="0"/>
-              <a:t>需求的组成</a:t>
-            </a:r>
-            <a:endParaRPr lang="en-US" altLang="zh-CN" smtClean="0"/>
-          </a:p>
-          <a:p>
-            <a:r>
-              <a:rPr lang="zh-CN" altLang="en-US" smtClean="0"/>
-              <a:t>需求 </a:t>
-            </a:r>
-            <a:r>
-              <a:rPr lang="en-US" altLang="zh-CN" smtClean="0"/>
-              <a:t>= </a:t>
-            </a:r>
-            <a:r>
-              <a:rPr lang="zh-CN" altLang="en-US" smtClean="0"/>
-              <a:t>用户故事 </a:t>
-            </a:r>
-            <a:r>
-              <a:rPr lang="en-US" altLang="zh-CN" smtClean="0"/>
-              <a:t>+ </a:t>
-            </a:r>
-            <a:r>
-              <a:rPr lang="zh-CN" altLang="en-US" smtClean="0"/>
-              <a:t>实例</a:t>
-            </a:r>
-            <a:r>
-              <a:rPr lang="en-US" altLang="zh-CN" smtClean="0"/>
-              <a:t>/</a:t>
-            </a:r>
-            <a:r>
-              <a:rPr lang="zh-CN" altLang="en-US" smtClean="0"/>
-              <a:t>自我测试 </a:t>
-            </a:r>
-            <a:r>
-              <a:rPr lang="en-US" altLang="zh-CN" smtClean="0"/>
-              <a:t>+ </a:t>
-            </a:r>
-            <a:r>
-              <a:rPr lang="zh-CN" altLang="en-US" smtClean="0"/>
-              <a:t>交流</a:t>
-            </a:r>
-            <a:endParaRPr lang="en-US" altLang="zh-CN" smtClean="0"/>
-          </a:p>
-          <a:p>
-            <a:r>
-              <a:rPr lang="zh-CN" altLang="en-US" smtClean="0"/>
-              <a:t>用户故事：从用户角度来描述用户渴望得到的功能</a:t>
-            </a:r>
-            <a:endParaRPr lang="en-US" altLang="zh-CN" dirty="0" smtClean="0"/>
-          </a:p>
-        </p:txBody>
-      </p:sp>
-    </p:spTree>
-    <p:extLst>
-      <p:ext uri="{BB962C8B-B14F-4D97-AF65-F5344CB8AC3E}">
-        <p14:creationId xmlns:p14="http://schemas.microsoft.com/office/powerpoint/2010/main" val="3399401453"/>
-      </p:ext>
-    </p:extLst>
-  </p:cSld>
-  <p:clrMapOvr>
-    <a:masterClrMapping/>
-  </p:clrMapOvr>
-</p:sld>
-</file>
-
-<file path=ppt/slides/slide6.xml><?xml version="1.0" encoding="utf-8"?>
-<p:sld xmlns:a="http://schemas.openxmlformats.org/drawingml/2006/main" xmlns:r="http://schemas.openxmlformats.org/officeDocument/2006/relationships" xmlns:p="http://schemas.openxmlformats.org/presentationml/2006/main">
-  <p:cSld>
-    <p:spTree>
-      <p:nvGrpSpPr>
-        <p:cNvPr id="1" name=""/>
-        <p:cNvGrpSpPr/>
-        <p:nvPr/>
-      </p:nvGrpSpPr>
-      <p:grpSpPr>
-        <a:xfrm>
-          <a:off x="0" y="0"/>
-          <a:ext cx="0" cy="0"/>
-          <a:chOff x="0" y="0"/>
-          <a:chExt cx="0" cy="0"/>
-        </a:xfrm>
-      </p:grpSpPr>
-      <p:sp>
-        <p:nvSpPr>
-          <p:cNvPr id="2" name="标题 1"/>
-          <p:cNvSpPr>
-            <a:spLocks noGrp="1"/>
-          </p:cNvSpPr>
-          <p:nvPr>
-            <p:ph type="title"/>
-          </p:nvPr>
-        </p:nvSpPr>
-        <p:spPr/>
-        <p:txBody>
-          <a:bodyPr/>
-          <a:lstStyle/>
-          <a:p>
-            <a:r>
-              <a:rPr lang="zh-CN" altLang="en-US" smtClean="0"/>
-              <a:t>需求</a:t>
-            </a:r>
-            <a:endParaRPr lang="zh-CN" altLang="en-US" dirty="0"/>
-          </a:p>
-        </p:txBody>
-      </p:sp>
-      <p:sp>
-        <p:nvSpPr>
-          <p:cNvPr id="3" name="内容占位符 2"/>
-          <p:cNvSpPr>
-            <a:spLocks noGrp="1"/>
-          </p:cNvSpPr>
-          <p:nvPr>
-            <p:ph idx="1"/>
-          </p:nvPr>
-        </p:nvSpPr>
-        <p:spPr/>
-        <p:txBody>
-          <a:bodyPr/>
-          <a:lstStyle/>
-          <a:p>
-            <a:r>
-              <a:rPr lang="zh-CN" altLang="en-US" dirty="0" smtClean="0"/>
-              <a:t>需求收集</a:t>
-            </a:r>
-            <a:endParaRPr lang="en-US" altLang="zh-CN" dirty="0" smtClean="0"/>
-          </a:p>
-          <a:p>
-            <a:pPr lvl="1"/>
-            <a:r>
-              <a:rPr lang="zh-CN" altLang="en-US" dirty="0" smtClean="0"/>
-              <a:t>提问</a:t>
-            </a:r>
-            <a:endParaRPr lang="en-US" altLang="zh-CN" dirty="0" smtClean="0"/>
-          </a:p>
-          <a:p>
-            <a:pPr lvl="1"/>
-            <a:r>
-              <a:rPr lang="zh-CN" altLang="en-US" dirty="0" smtClean="0"/>
-              <a:t>使用示例</a:t>
-            </a:r>
-            <a:endParaRPr lang="en-US" altLang="zh-CN" dirty="0" smtClean="0"/>
-          </a:p>
-          <a:p>
-            <a:pPr lvl="1"/>
-            <a:r>
-              <a:rPr lang="zh-CN" altLang="en-US" dirty="0" smtClean="0"/>
-              <a:t>多重观点</a:t>
-            </a:r>
-            <a:endParaRPr lang="en-US" altLang="zh-CN" dirty="0" smtClean="0"/>
-          </a:p>
-          <a:p>
-            <a:pPr lvl="1"/>
-            <a:r>
-              <a:rPr lang="zh-CN" altLang="en-US" dirty="0" smtClean="0"/>
-              <a:t>满足条件</a:t>
-            </a:r>
-            <a:endParaRPr lang="en-US" altLang="zh-CN" dirty="0" smtClean="0"/>
-          </a:p>
-          <a:p>
-            <a:pPr lvl="1"/>
-            <a:r>
-              <a:rPr lang="zh-CN" altLang="en-US" dirty="0" smtClean="0"/>
-              <a:t>涟漪效应</a:t>
-            </a:r>
-            <a:endParaRPr lang="en-US" altLang="zh-CN" dirty="0" smtClean="0"/>
-          </a:p>
-          <a:p>
-            <a:pPr marL="0" indent="0">
-              <a:buNone/>
-            </a:pPr>
-            <a:r>
-              <a:rPr lang="en-US" altLang="zh-CN" dirty="0" smtClean="0"/>
-              <a:t>	</a:t>
-            </a:r>
-            <a:endParaRPr lang="zh-CN" altLang="en-US" dirty="0" smtClean="0"/>
-          </a:p>
-          <a:p>
-            <a:endParaRPr lang="zh-CN" altLang="en-US" dirty="0"/>
-          </a:p>
-        </p:txBody>
-      </p:sp>
-    </p:spTree>
-    <p:extLst>
-      <p:ext uri="{BB962C8B-B14F-4D97-AF65-F5344CB8AC3E}">
-        <p14:creationId xmlns:p14="http://schemas.microsoft.com/office/powerpoint/2010/main" val="151804148"/>
-      </p:ext>
-    </p:extLst>
-  </p:cSld>
-  <p:clrMapOvr>
-    <a:masterClrMapping/>
-  </p:clrMapOvr>
+  <p:timing>
+    <p:tnLst>
+      <p:par>
+        <p:cTn id="1" dur="indefinite" restart="never" nodeType="tmRoot"/>
+      </p:par>
+    </p:tnLst>
+  </p:timing>
 </p:sld>
 </file>
 
@@ -6954,15 +8638,7 @@
           <a:p>
             <a:r>
               <a:rPr lang="zh-CN" altLang="en-US" smtClean="0"/>
-              <a:t>激发需求</a:t>
-            </a:r>
-            <a:r>
-              <a:rPr lang="en-US" altLang="zh-CN" smtClean="0"/>
-              <a:t>/</a:t>
-            </a:r>
-            <a:r>
-              <a:rPr lang="zh-CN" altLang="en-US" smtClean="0"/>
-              <a:t>示例可以使用的工具</a:t>
+              <a:t>什么叫面向业务的测试</a:t>
             </a:r>
             <a:endParaRPr lang="zh-CN" altLang="en-US" dirty="0"/>
           </a:p>
@@ -6984,43 +8660,15 @@
           <a:lstStyle/>
           <a:p>
             <a:r>
-              <a:rPr lang="zh-CN" altLang="en-US" smtClean="0"/>
-              <a:t>核对表</a:t>
-            </a:r>
-            <a:endParaRPr lang="en-US" altLang="zh-CN" smtClean="0"/>
-          </a:p>
-          <a:p>
-            <a:r>
-              <a:rPr lang="zh-CN" altLang="en-US" smtClean="0"/>
-              <a:t>思维导图</a:t>
-            </a:r>
-            <a:endParaRPr lang="en-US" altLang="zh-CN" smtClean="0"/>
-          </a:p>
-          <a:p>
-            <a:r>
-              <a:rPr lang="zh-CN" altLang="en-US" smtClean="0"/>
-              <a:t>电子表格</a:t>
-            </a:r>
-            <a:endParaRPr lang="en-US" altLang="zh-CN" smtClean="0"/>
-          </a:p>
-          <a:p>
-            <a:r>
-              <a:rPr lang="zh-CN" altLang="en-US" smtClean="0"/>
-              <a:t>模型</a:t>
-            </a:r>
-            <a:endParaRPr lang="en-US" altLang="zh-CN" smtClean="0"/>
-          </a:p>
-          <a:p>
-            <a:r>
-              <a:rPr lang="zh-CN" altLang="en-US" smtClean="0"/>
-              <a:t>流程图</a:t>
-            </a:r>
-            <a:endParaRPr lang="en-US" altLang="zh-CN" smtClean="0"/>
-          </a:p>
-          <a:p>
-            <a:r>
-              <a:rPr lang="zh-CN" altLang="en-US" smtClean="0"/>
-              <a:t>基于软件的工具</a:t>
+              <a:rPr lang="zh-CN" altLang="en-US" dirty="0" smtClean="0"/>
+              <a:t>面向业务的测试也称为“面向客户”、“故事”、“客户”和“验收”（面向功能的验收）</a:t>
+            </a:r>
+            <a:endParaRPr lang="en-US" altLang="zh-CN" dirty="0" smtClean="0"/>
+          </a:p>
+          <a:p>
+            <a:r>
+              <a:rPr lang="zh-CN" altLang="en-US" dirty="0" smtClean="0"/>
+              <a:t>面向业务的测试基于什么？</a:t>
             </a:r>
             <a:endParaRPr lang="zh-CN" altLang="en-US" dirty="0"/>
           </a:p>
@@ -7029,13 +8677,20 @@
     </p:spTree>
     <p:extLst>
       <p:ext uri="{BB962C8B-B14F-4D97-AF65-F5344CB8AC3E}">
-        <p14:creationId xmlns:p14="http://schemas.microsoft.com/office/powerpoint/2010/main" val="2416037111"/>
+        <p14:creationId xmlns:p14="http://schemas.microsoft.com/office/powerpoint/2010/main" val="2695027577"/>
       </p:ext>
     </p:extLst>
   </p:cSld>
   <p:clrMapOvr>
     <a:masterClrMapping/>
   </p:clrMapOvr>
+  <p:timing>
+    <p:tnLst>
+      <p:par>
+        <p:cTn id="1" dur="indefinite" restart="never" nodeType="tmRoot"/>
+      </p:par>
+    </p:tnLst>
+  </p:timing>
 </p:sld>
 </file>
 
@@ -7073,7 +8728,7 @@
           <a:p>
             <a:r>
               <a:rPr lang="zh-CN" altLang="en-US" smtClean="0"/>
-              <a:t>编写用户故事</a:t>
+              <a:t>需求</a:t>
             </a:r>
             <a:endParaRPr lang="zh-CN" altLang="en-US" dirty="0"/>
           </a:p>
@@ -7091,81 +8746,80 @@
         </p:nvSpPr>
         <p:spPr/>
         <p:txBody>
-          <a:bodyPr>
-            <a:normAutofit fontScale="92500" lnSpcReduction="10000"/>
-          </a:bodyPr>
+          <a:bodyPr/>
           <a:lstStyle/>
           <a:p>
             <a:r>
-              <a:rPr lang="zh-CN" altLang="en-US" smtClean="0"/>
-              <a:t>用户故事三要素</a:t>
-            </a:r>
-            <a:endParaRPr lang="en-US" altLang="zh-CN" smtClean="0"/>
-          </a:p>
-          <a:p>
-            <a:pPr lvl="1"/>
-            <a:r>
-              <a:rPr lang="zh-CN" altLang="en-US" smtClean="0"/>
-              <a:t>角色</a:t>
-            </a:r>
-            <a:endParaRPr lang="en-US" altLang="zh-CN" smtClean="0"/>
-          </a:p>
-          <a:p>
-            <a:pPr lvl="2"/>
-            <a:r>
-              <a:rPr lang="zh-CN" altLang="en-US" smtClean="0"/>
-              <a:t>顾客、读者、员工、老板等，思考：谁要使用这个功能？这项任务是为“谁”而做的？打造这样东西、做这项决策、提交这项成果，我们应该从谁的角度出发？</a:t>
-            </a:r>
-            <a:endParaRPr lang="en-US" altLang="zh-CN" smtClean="0"/>
-          </a:p>
-          <a:p>
-            <a:pPr lvl="1"/>
-            <a:r>
-              <a:rPr lang="zh-CN" altLang="en-US" smtClean="0"/>
-              <a:t>活动</a:t>
-            </a:r>
-            <a:endParaRPr lang="en-US" altLang="zh-CN" smtClean="0"/>
-          </a:p>
-          <a:p>
-            <a:pPr lvl="2"/>
-            <a:r>
-              <a:rPr lang="zh-CN" altLang="en-US" smtClean="0"/>
-              <a:t>要完成什么样的功能。这通常是我们的出发点，也是落脚点</a:t>
-            </a:r>
-            <a:endParaRPr lang="en-US" altLang="zh-CN" smtClean="0"/>
-          </a:p>
-          <a:p>
-            <a:pPr lvl="1"/>
-            <a:r>
-              <a:rPr lang="zh-CN" altLang="en-US" smtClean="0"/>
-              <a:t>商业价值</a:t>
-            </a:r>
-            <a:endParaRPr lang="en-US" altLang="zh-CN" smtClean="0"/>
-          </a:p>
-          <a:p>
-            <a:pPr lvl="2"/>
-            <a:r>
-              <a:rPr lang="zh-CN" altLang="en-US" smtClean="0"/>
-              <a:t>思考客户为什么需要这个功能，以及这个功能如何才能给客户创造价值</a:t>
-            </a:r>
-            <a:endParaRPr lang="en-US" altLang="zh-CN" smtClean="0"/>
-          </a:p>
-          <a:p>
-            <a:pPr lvl="1"/>
-            <a:endParaRPr lang="zh-CN" altLang="en-US" dirty="0"/>
+              <a:rPr lang="zh-CN" altLang="en-US" dirty="0" smtClean="0"/>
+              <a:t>需求的组成</a:t>
+            </a:r>
+            <a:endParaRPr lang="en-US" altLang="zh-CN" dirty="0" smtClean="0"/>
+          </a:p>
+          <a:p>
+            <a:r>
+              <a:rPr lang="zh-CN" altLang="en-US" dirty="0" smtClean="0"/>
+              <a:t>需求 </a:t>
+            </a:r>
+            <a:r>
+              <a:rPr lang="en-US" altLang="zh-CN" dirty="0" smtClean="0"/>
+              <a:t>= </a:t>
+            </a:r>
+            <a:r>
+              <a:rPr lang="zh-CN" altLang="en-US" dirty="0" smtClean="0"/>
+              <a:t>用户故事 </a:t>
+            </a:r>
+            <a:r>
+              <a:rPr lang="en-US" altLang="zh-CN" dirty="0" smtClean="0"/>
+              <a:t>+ </a:t>
+            </a:r>
+            <a:r>
+              <a:rPr lang="zh-CN" altLang="en-US" dirty="0" smtClean="0"/>
+              <a:t>实例</a:t>
+            </a:r>
+            <a:r>
+              <a:rPr lang="en-US" altLang="zh-CN" dirty="0" smtClean="0"/>
+              <a:t>/</a:t>
+            </a:r>
+            <a:r>
+              <a:rPr lang="zh-CN" altLang="en-US" dirty="0" smtClean="0"/>
+              <a:t>自我测试 </a:t>
+            </a:r>
+            <a:r>
+              <a:rPr lang="en-US" altLang="zh-CN" dirty="0" smtClean="0"/>
+              <a:t>+ </a:t>
+            </a:r>
+            <a:r>
+              <a:rPr lang="zh-CN" altLang="en-US" dirty="0" smtClean="0"/>
+              <a:t>交流</a:t>
+            </a:r>
+            <a:endParaRPr lang="en-US" altLang="zh-CN" dirty="0" smtClean="0"/>
+          </a:p>
+          <a:p>
+            <a:r>
+              <a:rPr lang="zh-CN" altLang="en-US" dirty="0" smtClean="0"/>
+              <a:t>用户故事：从用户角度来描述用户渴望得到的功能</a:t>
+            </a:r>
+            <a:endParaRPr lang="en-US" altLang="zh-CN" dirty="0" smtClean="0"/>
           </a:p>
         </p:txBody>
       </p:sp>
     </p:spTree>
     <p:extLst>
       <p:ext uri="{BB962C8B-B14F-4D97-AF65-F5344CB8AC3E}">
-        <p14:creationId xmlns:p14="http://schemas.microsoft.com/office/powerpoint/2010/main" val="1109323445"/>
+        <p14:creationId xmlns:p14="http://schemas.microsoft.com/office/powerpoint/2010/main" val="3399401453"/>
       </p:ext>
     </p:extLst>
   </p:cSld>
   <p:clrMapOvr>
     <a:masterClrMapping/>
   </p:clrMapOvr>
+  <p:timing>
+    <p:tnLst>
+      <p:par>
+        <p:cTn id="1" dur="indefinite" restart="never" nodeType="tmRoot"/>
+      </p:par>
+    </p:tnLst>
+  </p:timing>
 </p:sld>
 </file>
 
@@ -7203,7 +8857,7 @@
           <a:p>
             <a:r>
               <a:rPr lang="zh-CN" altLang="en-US" smtClean="0"/>
-              <a:t>编写用户故事</a:t>
+              <a:t>需求</a:t>
             </a:r>
             <a:endParaRPr lang="zh-CN" altLang="en-US" dirty="0"/>
           </a:p>
@@ -7225,9 +8879,62 @@
           <a:lstStyle/>
           <a:p>
             <a:r>
-              <a:rPr lang="zh-CN" altLang="en-US" smtClean="0"/>
-              <a:t>作为一名（角色），我需要（功能），因此（业务价值）</a:t>
-            </a:r>
+              <a:rPr lang="zh-CN" altLang="en-US" dirty="0" smtClean="0"/>
+              <a:t>需求收集</a:t>
+            </a:r>
+            <a:endParaRPr lang="en-US" altLang="zh-CN" dirty="0" smtClean="0"/>
+          </a:p>
+          <a:p>
+            <a:pPr lvl="1"/>
+            <a:r>
+              <a:rPr lang="zh-CN" altLang="en-US" dirty="0" smtClean="0"/>
+              <a:t>提问</a:t>
+            </a:r>
+            <a:endParaRPr lang="en-US" altLang="zh-CN" dirty="0" smtClean="0"/>
+          </a:p>
+          <a:p>
+            <a:pPr lvl="1"/>
+            <a:r>
+              <a:rPr lang="zh-CN" altLang="en-US" dirty="0" smtClean="0"/>
+              <a:t>使用示例</a:t>
+            </a:r>
+            <a:endParaRPr lang="en-US" altLang="zh-CN" dirty="0" smtClean="0"/>
+          </a:p>
+          <a:p>
+            <a:pPr lvl="1"/>
+            <a:r>
+              <a:rPr lang="zh-CN" altLang="en-US" dirty="0" smtClean="0"/>
+              <a:t>多重观点</a:t>
+            </a:r>
+            <a:endParaRPr lang="en-US" altLang="zh-CN" dirty="0" smtClean="0"/>
+          </a:p>
+          <a:p>
+            <a:pPr lvl="1"/>
+            <a:r>
+              <a:rPr lang="zh-CN" altLang="en-US" dirty="0" smtClean="0"/>
+              <a:t>满足条件</a:t>
+            </a:r>
+            <a:endParaRPr lang="en-US" altLang="zh-CN" dirty="0" smtClean="0"/>
+          </a:p>
+          <a:p>
+            <a:pPr lvl="1"/>
+            <a:r>
+              <a:rPr lang="zh-CN" altLang="en-US" dirty="0" smtClean="0"/>
+              <a:t>涟漪效应</a:t>
+            </a:r>
+            <a:endParaRPr lang="en-US" altLang="zh-CN" dirty="0" smtClean="0"/>
+          </a:p>
+          <a:p>
+            <a:pPr marL="0" indent="0">
+              <a:buNone/>
+            </a:pPr>
+            <a:r>
+              <a:rPr lang="en-US" altLang="zh-CN" dirty="0" smtClean="0"/>
+              <a:t>	</a:t>
+            </a:r>
+            <a:endParaRPr lang="zh-CN" altLang="en-US" dirty="0" smtClean="0"/>
+          </a:p>
+          <a:p>
             <a:endParaRPr lang="zh-CN" altLang="en-US" dirty="0"/>
           </a:p>
         </p:txBody>
@@ -7235,13 +8942,20 @@
     </p:spTree>
     <p:extLst>
       <p:ext uri="{BB962C8B-B14F-4D97-AF65-F5344CB8AC3E}">
-        <p14:creationId xmlns:p14="http://schemas.microsoft.com/office/powerpoint/2010/main" val="2479658167"/>
+        <p14:creationId xmlns:p14="http://schemas.microsoft.com/office/powerpoint/2010/main" val="151804148"/>
       </p:ext>
     </p:extLst>
   </p:cSld>
   <p:clrMapOvr>
     <a:masterClrMapping/>
   </p:clrMapOvr>
+  <p:timing>
+    <p:tnLst>
+      <p:par>
+        <p:cTn id="1" dur="indefinite" restart="never" nodeType="tmRoot"/>
+      </p:par>
+    </p:tnLst>
+  </p:timing>
 </p:sld>
 </file>
 
